--- a/docs/slides/PSYC753_Rmd_Support.pptx
+++ b/docs/slides/PSYC753_Rmd_Support.pptx
@@ -3565,7 +3565,9 @@
     <p:bg>
       <p:bgPr>
         <a:solidFill>
-          <a:schemeClr val="bg1"/>
+          <a:schemeClr val="bg1">
+            <a:lumMod val="95000"/>
+          </a:schemeClr>
         </a:solidFill>
         <a:effectLst/>
       </p:bgPr>
@@ -4684,18 +4686,7 @@
                 </a:solidFill>
                 <a:latin typeface="+mj-lt"/>
               </a:rPr>
-              <a:t> files. Chris </a:t>
-            </a:r>
-            <a:r>
-              <a:rPr lang="en-GB" sz="1200" dirty="0" smtClean="0">
-                <a:solidFill>
-                  <a:schemeClr val="bg1">
-                    <a:lumMod val="50000"/>
-                  </a:schemeClr>
-                </a:solidFill>
-                <a:latin typeface="+mj-lt"/>
-              </a:rPr>
-              <a:t>Berry. 2022</a:t>
+              <a:t> files. Chris Berry. 2022</a:t>
             </a:r>
             <a:endParaRPr lang="en-GB" sz="2400" dirty="0" smtClean="0">
               <a:solidFill>
@@ -4840,6 +4831,14 @@
 <file path=ppt/slides/slide10.xml><?xml version="1.0" encoding="utf-8"?>
 <p:sld xmlns:a="http://schemas.openxmlformats.org/drawingml/2006/main" xmlns:r="http://schemas.openxmlformats.org/officeDocument/2006/relationships" xmlns:p="http://schemas.openxmlformats.org/presentationml/2006/main">
   <p:cSld>
+    <p:bg>
+      <p:bgPr>
+        <a:solidFill>
+          <a:schemeClr val="bg1"/>
+        </a:solidFill>
+        <a:effectLst/>
+      </p:bgPr>
+    </p:bg>
     <p:spTree>
       <p:nvGrpSpPr>
         <p:cNvPr id="1" name=""/>
@@ -5357,6 +5356,14 @@
 <file path=ppt/slides/slide11.xml><?xml version="1.0" encoding="utf-8"?>
 <p:sld xmlns:a="http://schemas.openxmlformats.org/drawingml/2006/main" xmlns:r="http://schemas.openxmlformats.org/officeDocument/2006/relationships" xmlns:p="http://schemas.openxmlformats.org/presentationml/2006/main">
   <p:cSld>
+    <p:bg>
+      <p:bgPr>
+        <a:solidFill>
+          <a:schemeClr val="bg1"/>
+        </a:solidFill>
+        <a:effectLst/>
+      </p:bgPr>
+    </p:bg>
     <p:spTree>
       <p:nvGrpSpPr>
         <p:cNvPr id="1" name=""/>
@@ -6019,6 +6026,14 @@
 <file path=ppt/slides/slide13.xml><?xml version="1.0" encoding="utf-8"?>
 <p:sld xmlns:a="http://schemas.openxmlformats.org/drawingml/2006/main" xmlns:r="http://schemas.openxmlformats.org/officeDocument/2006/relationships" xmlns:p="http://schemas.openxmlformats.org/presentationml/2006/main">
   <p:cSld>
+    <p:bg>
+      <p:bgPr>
+        <a:solidFill>
+          <a:schemeClr val="bg1"/>
+        </a:solidFill>
+        <a:effectLst/>
+      </p:bgPr>
+    </p:bg>
     <p:spTree>
       <p:nvGrpSpPr>
         <p:cNvPr id="1" name=""/>
@@ -7511,6 +7526,14 @@
 <file path=ppt/slides/slide16.xml><?xml version="1.0" encoding="utf-8"?>
 <p:sld xmlns:a="http://schemas.openxmlformats.org/drawingml/2006/main" xmlns:r="http://schemas.openxmlformats.org/officeDocument/2006/relationships" xmlns:p="http://schemas.openxmlformats.org/presentationml/2006/main">
   <p:cSld>
+    <p:bg>
+      <p:bgPr>
+        <a:solidFill>
+          <a:schemeClr val="bg1"/>
+        </a:solidFill>
+        <a:effectLst/>
+      </p:bgPr>
+    </p:bg>
     <p:spTree>
       <p:nvGrpSpPr>
         <p:cNvPr id="1" name=""/>
@@ -7636,16 +7659,7 @@
                 </a:solidFill>
                 <a:latin typeface="+mj-lt"/>
               </a:rPr>
-              <a:t>No code</a:t>
-            </a:r>
-            <a:r>
-              <a:rPr lang="en-GB" sz="1600" dirty="0" smtClean="0">
-                <a:solidFill>
-                  <a:schemeClr val="tx2"/>
-                </a:solidFill>
-                <a:latin typeface="+mj-lt"/>
-              </a:rPr>
-              <a:t> visible</a:t>
+              <a:t>No code visible</a:t>
             </a:r>
           </a:p>
           <a:p>
@@ -9335,6 +9349,13 @@
           <a:prstGeom prst="rect">
             <a:avLst/>
           </a:prstGeom>
+          <a:effectLst>
+            <a:outerShdw blurRad="50800" dist="203200" dir="2700000" algn="tl" rotWithShape="0">
+              <a:prstClr val="black">
+                <a:alpha val="40000"/>
+              </a:prstClr>
+            </a:outerShdw>
+          </a:effectLst>
         </p:spPr>
       </p:pic>
     </p:spTree>
@@ -9776,6 +9797,13 @@
           <a:prstGeom prst="rect">
             <a:avLst/>
           </a:prstGeom>
+          <a:effectLst>
+            <a:outerShdw blurRad="50800" dist="152400" dir="2700000" algn="tl" rotWithShape="0">
+              <a:prstClr val="black">
+                <a:alpha val="40000"/>
+              </a:prstClr>
+            </a:outerShdw>
+          </a:effectLst>
         </p:spPr>
       </p:pic>
     </p:spTree>
@@ -9832,6 +9860,13 @@
           <a:prstGeom prst="rect">
             <a:avLst/>
           </a:prstGeom>
+          <a:effectLst>
+            <a:outerShdw blurRad="25400" dist="114300" dir="2700000" algn="tl" rotWithShape="0">
+              <a:prstClr val="black">
+                <a:alpha val="40000"/>
+              </a:prstClr>
+            </a:outerShdw>
+          </a:effectLst>
         </p:spPr>
       </p:pic>
       <p:sp>
@@ -10349,7 +10384,7 @@
             <a:noFill/>
           </a:ln>
           <a:effectLst>
-            <a:outerShdw blurRad="50800" dist="38100" algn="l" rotWithShape="0">
+            <a:outerShdw blurRad="50800" dist="101600" dir="2700000" algn="tl" rotWithShape="0">
               <a:prstClr val="black">
                 <a:alpha val="40000"/>
               </a:prstClr>
@@ -10374,15 +10409,7 @@
           <a:p>
             <a:r>
               <a:rPr lang="en-GB" altLang="en-US" dirty="0" smtClean="0"/>
-              <a:t>The html report will </a:t>
-            </a:r>
-            <a:r>
-              <a:rPr lang="en-GB" altLang="en-US" dirty="0" smtClean="0"/>
-              <a:t>appear </a:t>
-            </a:r>
-            <a:r>
-              <a:rPr lang="en-GB" altLang="en-US" dirty="0" smtClean="0"/>
-              <a:t>in the ‘Files’ panel of R studio</a:t>
+              <a:t>The html report will appear in the ‘Files’ panel of R studio</a:t>
             </a:r>
           </a:p>
         </p:txBody>
@@ -10849,6 +10876,13 @@
           <a:prstGeom prst="rect">
             <a:avLst/>
           </a:prstGeom>
+          <a:effectLst>
+            <a:outerShdw blurRad="50800" dist="101600" dir="2700000" algn="tl" rotWithShape="0">
+              <a:prstClr val="black">
+                <a:alpha val="40000"/>
+              </a:prstClr>
+            </a:outerShdw>
+          </a:effectLst>
         </p:spPr>
       </p:pic>
     </p:spTree>
@@ -11104,16 +11138,15 @@
           </p:cNvPicPr>
           <p:nvPr/>
         </p:nvPicPr>
-        <p:blipFill>
+        <p:blipFill rotWithShape="1">
           <a:blip r:embed="rId2"/>
-          <a:stretch>
-            <a:fillRect/>
-          </a:stretch>
+          <a:srcRect b="19096"/>
+          <a:stretch/>
         </p:blipFill>
         <p:spPr>
           <a:xfrm>
             <a:off x="2298306" y="1575040"/>
-            <a:ext cx="7953214" cy="4996077"/>
+            <a:ext cx="7953214" cy="4041989"/>
           </a:xfrm>
           <a:prstGeom prst="rect">
             <a:avLst/>
@@ -11602,13 +11635,8 @@
           <a:p>
             <a:r>
               <a:rPr lang="en-GB" altLang="en-US" dirty="0" smtClean="0"/>
-              <a:t>Once the files are on your hard drive, submit to the DLE </a:t>
-            </a:r>
-            <a:r>
-              <a:rPr lang="en-GB" altLang="en-US" dirty="0" smtClean="0"/>
-              <a:t>with coversheet</a:t>
-            </a:r>
-            <a:endParaRPr lang="en-GB" altLang="en-US" dirty="0" smtClean="0"/>
+              <a:t>Once the files are on your hard drive, submit to the DLE with coversheet</a:t>
+            </a:r>
           </a:p>
         </p:txBody>
       </p:sp>
@@ -12051,6 +12079,14 @@
 <file path=ppt/slides/slide7.xml><?xml version="1.0" encoding="utf-8"?>
 <p:sld xmlns:a="http://schemas.openxmlformats.org/drawingml/2006/main" xmlns:r="http://schemas.openxmlformats.org/officeDocument/2006/relationships" xmlns:p="http://schemas.openxmlformats.org/presentationml/2006/main">
   <p:cSld>
+    <p:bg>
+      <p:bgPr>
+        <a:solidFill>
+          <a:schemeClr val="bg1"/>
+        </a:solidFill>
+        <a:effectLst/>
+      </p:bgPr>
+    </p:bg>
     <p:spTree>
       <p:nvGrpSpPr>
         <p:cNvPr id="1" name=""/>
@@ -12593,6 +12629,14 @@
 <file path=ppt/slides/slide8.xml><?xml version="1.0" encoding="utf-8"?>
 <p:sld xmlns:a="http://schemas.openxmlformats.org/drawingml/2006/main" xmlns:r="http://schemas.openxmlformats.org/officeDocument/2006/relationships" xmlns:p="http://schemas.openxmlformats.org/presentationml/2006/main">
   <p:cSld>
+    <p:bg>
+      <p:bgPr>
+        <a:solidFill>
+          <a:schemeClr val="bg1"/>
+        </a:solidFill>
+        <a:effectLst/>
+      </p:bgPr>
+    </p:bg>
     <p:spTree>
       <p:nvGrpSpPr>
         <p:cNvPr id="1" name=""/>
@@ -13151,6 +13195,14 @@
 <file path=ppt/slides/slide9.xml><?xml version="1.0" encoding="utf-8"?>
 <p:sld xmlns:a="http://schemas.openxmlformats.org/drawingml/2006/main" xmlns:r="http://schemas.openxmlformats.org/officeDocument/2006/relationships" xmlns:p="http://schemas.openxmlformats.org/presentationml/2006/main">
   <p:cSld>
+    <p:bg>
+      <p:bgPr>
+        <a:solidFill>
+          <a:schemeClr val="bg1"/>
+        </a:solidFill>
+        <a:effectLst/>
+      </p:bgPr>
+    </p:bg>
     <p:spTree>
       <p:nvGrpSpPr>
         <p:cNvPr id="1" name=""/>
@@ -14362,6 +14414,21 @@
 </file>
 
 <file path=customXml/item1.xml><?xml version="1.0" encoding="utf-8"?>
+<?mso-contentType ?>
+<FormTemplates xmlns="http://schemas.microsoft.com/sharepoint/v3/contenttype/forms">
+  <Display>DocumentLibraryForm</Display>
+  <Edit>DocumentLibraryForm</Edit>
+  <New>DocumentLibraryForm</New>
+</FormTemplates>
+</file>
+
+<file path=customXml/item2.xml><?xml version="1.0" encoding="utf-8"?>
+<p:properties xmlns:p="http://schemas.microsoft.com/office/2006/metadata/properties" xmlns:xsi="http://www.w3.org/2001/XMLSchema-instance" xmlns:pc="http://schemas.microsoft.com/office/infopath/2007/PartnerControls">
+  <documentManagement/>
+</p:properties>
+</file>
+
+<file path=customXml/item3.xml><?xml version="1.0" encoding="utf-8"?>
 <ct:contentTypeSchema xmlns:ct="http://schemas.microsoft.com/office/2006/metadata/contentType" xmlns:ma="http://schemas.microsoft.com/office/2006/metadata/properties/metaAttributes" ct:_="" ma:_="" ma:contentTypeName="Document" ma:contentTypeID="0x01010039C78F475D24344A969CCF416FCD45BB" ma:contentTypeVersion="13" ma:contentTypeDescription="Create a new document." ma:contentTypeScope="" ma:versionID="a0c5b494e4ac53bd353fcdbd7799a3f3">
   <xsd:schema xmlns:xsd="http://www.w3.org/2001/XMLSchema" xmlns:xs="http://www.w3.org/2001/XMLSchema" xmlns:p="http://schemas.microsoft.com/office/2006/metadata/properties" xmlns:ns3="1114de93-f3f1-4006-86a7-5ccf45982f95" xmlns:ns4="73a95059-53ff-4649-9213-6c5f0c8cde5d" targetNamespace="http://schemas.microsoft.com/office/2006/metadata/properties" ma:root="true" ma:fieldsID="ec7692872867c9011b958cb5bd08a7df" ns3:_="" ns4:_="">
     <xsd:import namespace="1114de93-f3f1-4006-86a7-5ccf45982f95"/>
@@ -14584,22 +14651,32 @@
 </ct:contentTypeSchema>
 </file>
 
-<file path=customXml/item2.xml><?xml version="1.0" encoding="utf-8"?>
-<p:properties xmlns:p="http://schemas.microsoft.com/office/2006/metadata/properties" xmlns:xsi="http://www.w3.org/2001/XMLSchema-instance" xmlns:pc="http://schemas.microsoft.com/office/infopath/2007/PartnerControls">
-  <documentManagement/>
-</p:properties>
+<file path=customXml/itemProps1.xml><?xml version="1.0" encoding="utf-8"?>
+<ds:datastoreItem xmlns:ds="http://schemas.openxmlformats.org/officeDocument/2006/customXml" ds:itemID="{B3072510-4ABE-43B1-80AA-AB159106D349}">
+  <ds:schemaRefs>
+    <ds:schemaRef ds:uri="http://schemas.microsoft.com/sharepoint/v3/contenttype/forms"/>
+  </ds:schemaRefs>
+</ds:datastoreItem>
 </file>
 
-<file path=customXml/item3.xml><?xml version="1.0" encoding="utf-8"?>
-<?mso-contentType ?>
-<FormTemplates xmlns="http://schemas.microsoft.com/sharepoint/v3/contenttype/forms">
-  <Display>DocumentLibraryForm</Display>
-  <Edit>DocumentLibraryForm</Edit>
-  <New>DocumentLibraryForm</New>
-</FormTemplates>
+<file path=customXml/itemProps2.xml><?xml version="1.0" encoding="utf-8"?>
+<ds:datastoreItem xmlns:ds="http://schemas.openxmlformats.org/officeDocument/2006/customXml" ds:itemID="{61E7B50A-EF57-437B-A02E-6D74C3625B9A}">
+  <ds:schemaRefs>
+    <ds:schemaRef ds:uri="http://purl.org/dc/elements/1.1/"/>
+    <ds:schemaRef ds:uri="http://schemas.microsoft.com/office/2006/metadata/properties"/>
+    <ds:schemaRef ds:uri="http://schemas.microsoft.com/office/2006/documentManagement/types"/>
+    <ds:schemaRef ds:uri="73a95059-53ff-4649-9213-6c5f0c8cde5d"/>
+    <ds:schemaRef ds:uri="1114de93-f3f1-4006-86a7-5ccf45982f95"/>
+    <ds:schemaRef ds:uri="http://purl.org/dc/dcmitype/"/>
+    <ds:schemaRef ds:uri="http://schemas.microsoft.com/office/infopath/2007/PartnerControls"/>
+    <ds:schemaRef ds:uri="http://schemas.openxmlformats.org/package/2006/metadata/core-properties"/>
+    <ds:schemaRef ds:uri="http://www.w3.org/XML/1998/namespace"/>
+    <ds:schemaRef ds:uri="http://purl.org/dc/terms/"/>
+  </ds:schemaRefs>
+</ds:datastoreItem>
 </file>
 
-<file path=customXml/itemProps1.xml><?xml version="1.0" encoding="utf-8"?>
+<file path=customXml/itemProps3.xml><?xml version="1.0" encoding="utf-8"?>
 <ds:datastoreItem xmlns:ds="http://schemas.openxmlformats.org/officeDocument/2006/customXml" ds:itemID="{4B0B3847-485F-4BD3-9F8B-04F7B47AEAD9}">
   <ds:schemaRefs>
     <ds:schemaRef ds:uri="http://schemas.microsoft.com/office/2006/metadata/contentType"/>
@@ -14616,29 +14693,4 @@
     <ds:schemaRef ds:uri="http://schemas.microsoft.com/internal/obd"/>
   </ds:schemaRefs>
 </ds:datastoreItem>
-</file>
-
-<file path=customXml/itemProps2.xml><?xml version="1.0" encoding="utf-8"?>
-<ds:datastoreItem xmlns:ds="http://schemas.openxmlformats.org/officeDocument/2006/customXml" ds:itemID="{61E7B50A-EF57-437B-A02E-6D74C3625B9A}">
-  <ds:schemaRefs>
-    <ds:schemaRef ds:uri="http://purl.org/dc/terms/"/>
-    <ds:schemaRef ds:uri="73a95059-53ff-4649-9213-6c5f0c8cde5d"/>
-    <ds:schemaRef ds:uri="1114de93-f3f1-4006-86a7-5ccf45982f95"/>
-    <ds:schemaRef ds:uri="http://purl.org/dc/dcmitype/"/>
-    <ds:schemaRef ds:uri="http://schemas.microsoft.com/office/infopath/2007/PartnerControls"/>
-    <ds:schemaRef ds:uri="http://purl.org/dc/elements/1.1/"/>
-    <ds:schemaRef ds:uri="http://schemas.microsoft.com/office/2006/metadata/properties"/>
-    <ds:schemaRef ds:uri="http://schemas.microsoft.com/office/2006/documentManagement/types"/>
-    <ds:schemaRef ds:uri="http://schemas.openxmlformats.org/package/2006/metadata/core-properties"/>
-    <ds:schemaRef ds:uri="http://www.w3.org/XML/1998/namespace"/>
-  </ds:schemaRefs>
-</ds:datastoreItem>
-</file>
-
-<file path=customXml/itemProps3.xml><?xml version="1.0" encoding="utf-8"?>
-<ds:datastoreItem xmlns:ds="http://schemas.openxmlformats.org/officeDocument/2006/customXml" ds:itemID="{B3072510-4ABE-43B1-80AA-AB159106D349}">
-  <ds:schemaRefs>
-    <ds:schemaRef ds:uri="http://schemas.microsoft.com/sharepoint/v3/contenttype/forms"/>
-  </ds:schemaRefs>
-</ds:datastoreItem>
 </file>
--- a/docs/slides/PSYC753_Rmd_Support.pptx
+++ b/docs/slides/PSYC753_Rmd_Support.pptx
@@ -14423,12 +14423,6 @@
 </file>
 
 <file path=customXml/item2.xml><?xml version="1.0" encoding="utf-8"?>
-<p:properties xmlns:p="http://schemas.microsoft.com/office/2006/metadata/properties" xmlns:xsi="http://www.w3.org/2001/XMLSchema-instance" xmlns:pc="http://schemas.microsoft.com/office/infopath/2007/PartnerControls">
-  <documentManagement/>
-</p:properties>
-</file>
-
-<file path=customXml/item3.xml><?xml version="1.0" encoding="utf-8"?>
 <ct:contentTypeSchema xmlns:ct="http://schemas.microsoft.com/office/2006/metadata/contentType" xmlns:ma="http://schemas.microsoft.com/office/2006/metadata/properties/metaAttributes" ct:_="" ma:_="" ma:contentTypeName="Document" ma:contentTypeID="0x01010039C78F475D24344A969CCF416FCD45BB" ma:contentTypeVersion="13" ma:contentTypeDescription="Create a new document." ma:contentTypeScope="" ma:versionID="a0c5b494e4ac53bd353fcdbd7799a3f3">
   <xsd:schema xmlns:xsd="http://www.w3.org/2001/XMLSchema" xmlns:xs="http://www.w3.org/2001/XMLSchema" xmlns:p="http://schemas.microsoft.com/office/2006/metadata/properties" xmlns:ns3="1114de93-f3f1-4006-86a7-5ccf45982f95" xmlns:ns4="73a95059-53ff-4649-9213-6c5f0c8cde5d" targetNamespace="http://schemas.microsoft.com/office/2006/metadata/properties" ma:root="true" ma:fieldsID="ec7692872867c9011b958cb5bd08a7df" ns3:_="" ns4:_="">
     <xsd:import namespace="1114de93-f3f1-4006-86a7-5ccf45982f95"/>
@@ -14651,6 +14645,12 @@
 </ct:contentTypeSchema>
 </file>
 
+<file path=customXml/item3.xml><?xml version="1.0" encoding="utf-8"?>
+<p:properties xmlns:p="http://schemas.microsoft.com/office/2006/metadata/properties" xmlns:xsi="http://www.w3.org/2001/XMLSchema-instance" xmlns:pc="http://schemas.microsoft.com/office/infopath/2007/PartnerControls">
+  <documentManagement/>
+</p:properties>
+</file>
+
 <file path=customXml/itemProps1.xml><?xml version="1.0" encoding="utf-8"?>
 <ds:datastoreItem xmlns:ds="http://schemas.openxmlformats.org/officeDocument/2006/customXml" ds:itemID="{B3072510-4ABE-43B1-80AA-AB159106D349}">
   <ds:schemaRefs>
@@ -14660,23 +14660,6 @@
 </file>
 
 <file path=customXml/itemProps2.xml><?xml version="1.0" encoding="utf-8"?>
-<ds:datastoreItem xmlns:ds="http://schemas.openxmlformats.org/officeDocument/2006/customXml" ds:itemID="{61E7B50A-EF57-437B-A02E-6D74C3625B9A}">
-  <ds:schemaRefs>
-    <ds:schemaRef ds:uri="http://purl.org/dc/elements/1.1/"/>
-    <ds:schemaRef ds:uri="http://schemas.microsoft.com/office/2006/metadata/properties"/>
-    <ds:schemaRef ds:uri="http://schemas.microsoft.com/office/2006/documentManagement/types"/>
-    <ds:schemaRef ds:uri="73a95059-53ff-4649-9213-6c5f0c8cde5d"/>
-    <ds:schemaRef ds:uri="1114de93-f3f1-4006-86a7-5ccf45982f95"/>
-    <ds:schemaRef ds:uri="http://purl.org/dc/dcmitype/"/>
-    <ds:schemaRef ds:uri="http://schemas.microsoft.com/office/infopath/2007/PartnerControls"/>
-    <ds:schemaRef ds:uri="http://schemas.openxmlformats.org/package/2006/metadata/core-properties"/>
-    <ds:schemaRef ds:uri="http://www.w3.org/XML/1998/namespace"/>
-    <ds:schemaRef ds:uri="http://purl.org/dc/terms/"/>
-  </ds:schemaRefs>
-</ds:datastoreItem>
-</file>
-
-<file path=customXml/itemProps3.xml><?xml version="1.0" encoding="utf-8"?>
 <ds:datastoreItem xmlns:ds="http://schemas.openxmlformats.org/officeDocument/2006/customXml" ds:itemID="{4B0B3847-485F-4BD3-9F8B-04F7B47AEAD9}">
   <ds:schemaRefs>
     <ds:schemaRef ds:uri="http://schemas.microsoft.com/office/2006/metadata/contentType"/>
@@ -14693,4 +14676,21 @@
     <ds:schemaRef ds:uri="http://schemas.microsoft.com/internal/obd"/>
   </ds:schemaRefs>
 </ds:datastoreItem>
+</file>
+
+<file path=customXml/itemProps3.xml><?xml version="1.0" encoding="utf-8"?>
+<ds:datastoreItem xmlns:ds="http://schemas.openxmlformats.org/officeDocument/2006/customXml" ds:itemID="{61E7B50A-EF57-437B-A02E-6D74C3625B9A}">
+  <ds:schemaRefs>
+    <ds:schemaRef ds:uri="http://purl.org/dc/elements/1.1/"/>
+    <ds:schemaRef ds:uri="http://schemas.microsoft.com/office/2006/metadata/properties"/>
+    <ds:schemaRef ds:uri="http://schemas.microsoft.com/office/2006/documentManagement/types"/>
+    <ds:schemaRef ds:uri="73a95059-53ff-4649-9213-6c5f0c8cde5d"/>
+    <ds:schemaRef ds:uri="1114de93-f3f1-4006-86a7-5ccf45982f95"/>
+    <ds:schemaRef ds:uri="http://purl.org/dc/dcmitype/"/>
+    <ds:schemaRef ds:uri="http://schemas.microsoft.com/office/infopath/2007/PartnerControls"/>
+    <ds:schemaRef ds:uri="http://schemas.openxmlformats.org/package/2006/metadata/core-properties"/>
+    <ds:schemaRef ds:uri="http://www.w3.org/XML/1998/namespace"/>
+    <ds:schemaRef ds:uri="http://purl.org/dc/terms/"/>
+  </ds:schemaRefs>
+</ds:datastoreItem>
 </file>
--- a/docs/slides/PSYC753_Rmd_Support.pptx
+++ b/docs/slides/PSYC753_Rmd_Support.pptx
@@ -14423,6 +14423,12 @@
 </file>
 
 <file path=customXml/item2.xml><?xml version="1.0" encoding="utf-8"?>
+<p:properties xmlns:p="http://schemas.microsoft.com/office/2006/metadata/properties" xmlns:xsi="http://www.w3.org/2001/XMLSchema-instance" xmlns:pc="http://schemas.microsoft.com/office/infopath/2007/PartnerControls">
+  <documentManagement/>
+</p:properties>
+</file>
+
+<file path=customXml/item3.xml><?xml version="1.0" encoding="utf-8"?>
 <ct:contentTypeSchema xmlns:ct="http://schemas.microsoft.com/office/2006/metadata/contentType" xmlns:ma="http://schemas.microsoft.com/office/2006/metadata/properties/metaAttributes" ct:_="" ma:_="" ma:contentTypeName="Document" ma:contentTypeID="0x01010039C78F475D24344A969CCF416FCD45BB" ma:contentTypeVersion="13" ma:contentTypeDescription="Create a new document." ma:contentTypeScope="" ma:versionID="a0c5b494e4ac53bd353fcdbd7799a3f3">
   <xsd:schema xmlns:xsd="http://www.w3.org/2001/XMLSchema" xmlns:xs="http://www.w3.org/2001/XMLSchema" xmlns:p="http://schemas.microsoft.com/office/2006/metadata/properties" xmlns:ns3="1114de93-f3f1-4006-86a7-5ccf45982f95" xmlns:ns4="73a95059-53ff-4649-9213-6c5f0c8cde5d" targetNamespace="http://schemas.microsoft.com/office/2006/metadata/properties" ma:root="true" ma:fieldsID="ec7692872867c9011b958cb5bd08a7df" ns3:_="" ns4:_="">
     <xsd:import namespace="1114de93-f3f1-4006-86a7-5ccf45982f95"/>
@@ -14645,12 +14651,6 @@
 </ct:contentTypeSchema>
 </file>
 
-<file path=customXml/item3.xml><?xml version="1.0" encoding="utf-8"?>
-<p:properties xmlns:p="http://schemas.microsoft.com/office/2006/metadata/properties" xmlns:xsi="http://www.w3.org/2001/XMLSchema-instance" xmlns:pc="http://schemas.microsoft.com/office/infopath/2007/PartnerControls">
-  <documentManagement/>
-</p:properties>
-</file>
-
 <file path=customXml/itemProps1.xml><?xml version="1.0" encoding="utf-8"?>
 <ds:datastoreItem xmlns:ds="http://schemas.openxmlformats.org/officeDocument/2006/customXml" ds:itemID="{B3072510-4ABE-43B1-80AA-AB159106D349}">
   <ds:schemaRefs>
@@ -14660,6 +14660,23 @@
 </file>
 
 <file path=customXml/itemProps2.xml><?xml version="1.0" encoding="utf-8"?>
+<ds:datastoreItem xmlns:ds="http://schemas.openxmlformats.org/officeDocument/2006/customXml" ds:itemID="{61E7B50A-EF57-437B-A02E-6D74C3625B9A}">
+  <ds:schemaRefs>
+    <ds:schemaRef ds:uri="http://purl.org/dc/elements/1.1/"/>
+    <ds:schemaRef ds:uri="http://schemas.microsoft.com/office/2006/metadata/properties"/>
+    <ds:schemaRef ds:uri="http://schemas.microsoft.com/office/2006/documentManagement/types"/>
+    <ds:schemaRef ds:uri="73a95059-53ff-4649-9213-6c5f0c8cde5d"/>
+    <ds:schemaRef ds:uri="1114de93-f3f1-4006-86a7-5ccf45982f95"/>
+    <ds:schemaRef ds:uri="http://purl.org/dc/dcmitype/"/>
+    <ds:schemaRef ds:uri="http://schemas.microsoft.com/office/infopath/2007/PartnerControls"/>
+    <ds:schemaRef ds:uri="http://schemas.openxmlformats.org/package/2006/metadata/core-properties"/>
+    <ds:schemaRef ds:uri="http://www.w3.org/XML/1998/namespace"/>
+    <ds:schemaRef ds:uri="http://purl.org/dc/terms/"/>
+  </ds:schemaRefs>
+</ds:datastoreItem>
+</file>
+
+<file path=customXml/itemProps3.xml><?xml version="1.0" encoding="utf-8"?>
 <ds:datastoreItem xmlns:ds="http://schemas.openxmlformats.org/officeDocument/2006/customXml" ds:itemID="{4B0B3847-485F-4BD3-9F8B-04F7B47AEAD9}">
   <ds:schemaRefs>
     <ds:schemaRef ds:uri="http://schemas.microsoft.com/office/2006/metadata/contentType"/>
@@ -14676,21 +14693,4 @@
     <ds:schemaRef ds:uri="http://schemas.microsoft.com/internal/obd"/>
   </ds:schemaRefs>
 </ds:datastoreItem>
-</file>
-
-<file path=customXml/itemProps3.xml><?xml version="1.0" encoding="utf-8"?>
-<ds:datastoreItem xmlns:ds="http://schemas.openxmlformats.org/officeDocument/2006/customXml" ds:itemID="{61E7B50A-EF57-437B-A02E-6D74C3625B9A}">
-  <ds:schemaRefs>
-    <ds:schemaRef ds:uri="http://purl.org/dc/elements/1.1/"/>
-    <ds:schemaRef ds:uri="http://schemas.microsoft.com/office/2006/metadata/properties"/>
-    <ds:schemaRef ds:uri="http://schemas.microsoft.com/office/2006/documentManagement/types"/>
-    <ds:schemaRef ds:uri="73a95059-53ff-4649-9213-6c5f0c8cde5d"/>
-    <ds:schemaRef ds:uri="1114de93-f3f1-4006-86a7-5ccf45982f95"/>
-    <ds:schemaRef ds:uri="http://purl.org/dc/dcmitype/"/>
-    <ds:schemaRef ds:uri="http://schemas.microsoft.com/office/infopath/2007/PartnerControls"/>
-    <ds:schemaRef ds:uri="http://schemas.openxmlformats.org/package/2006/metadata/core-properties"/>
-    <ds:schemaRef ds:uri="http://www.w3.org/XML/1998/namespace"/>
-    <ds:schemaRef ds:uri="http://purl.org/dc/terms/"/>
-  </ds:schemaRefs>
-</ds:datastoreItem>
 </file>
--- a/docs/slides/PSYC753_Rmd_Support.pptx
+++ b/docs/slides/PSYC753_Rmd_Support.pptx
@@ -423,6 +423,11 @@
         </p:txBody>
       </p:sp>
     </p:spTree>
+    <p:extLst>
+      <p:ext uri="{BB962C8B-B14F-4D97-AF65-F5344CB8AC3E}">
+        <p14:creationId xmlns:p14="http://schemas.microsoft.com/office/powerpoint/2010/main" val="1"/>
+      </p:ext>
+    </p:extLst>
   </p:cSld>
   <p:clrMap bg1="lt1" tx1="dk1" bg2="lt2" tx2="dk2" accent1="accent1" accent2="accent2" accent3="accent3" accent4="accent4" accent5="accent5" accent6="accent6" hlink="hlink" folHlink="folHlink"/>
 </p:handoutMaster>
@@ -522,7 +527,7 @@
               <a:pPr>
                 <a:defRPr/>
               </a:pPr>
-              <a:t>06/02/2022</a:t>
+              <a:t>21/12/2022</a:t>
             </a:fld>
             <a:endParaRPr lang="en-GB"/>
           </a:p>
@@ -558,7 +563,7 @@
           <a:lstStyle/>
           <a:p>
             <a:pPr lvl="0"/>
-            <a:endParaRPr lang="en-GB" noProof="0" smtClean="0"/>
+            <a:endParaRPr lang="en-GB" noProof="0"/>
           </a:p>
         </p:txBody>
       </p:sp>
@@ -589,38 +594,38 @@
           <a:p>
             <a:pPr lvl="0"/>
             <a:r>
-              <a:rPr lang="en-US" noProof="0" smtClean="0"/>
+              <a:rPr lang="en-US" noProof="0"/>
               <a:t>Click to edit Master text styles</a:t>
             </a:r>
           </a:p>
           <a:p>
             <a:pPr lvl="1"/>
             <a:r>
-              <a:rPr lang="en-US" noProof="0" smtClean="0"/>
+              <a:rPr lang="en-US" noProof="0"/>
               <a:t>Second level</a:t>
             </a:r>
           </a:p>
           <a:p>
             <a:pPr lvl="2"/>
             <a:r>
-              <a:rPr lang="en-US" noProof="0" smtClean="0"/>
+              <a:rPr lang="en-US" noProof="0"/>
               <a:t>Third level</a:t>
             </a:r>
           </a:p>
           <a:p>
             <a:pPr lvl="3"/>
             <a:r>
-              <a:rPr lang="en-US" noProof="0" smtClean="0"/>
+              <a:rPr lang="en-US" noProof="0"/>
               <a:t>Fourth level</a:t>
             </a:r>
           </a:p>
           <a:p>
             <a:pPr lvl="4"/>
             <a:r>
-              <a:rPr lang="en-US" noProof="0" smtClean="0"/>
+              <a:rPr lang="en-US" noProof="0"/>
               <a:t>Fifth level</a:t>
             </a:r>
-            <a:endParaRPr lang="en-GB" noProof="0" smtClean="0"/>
+            <a:endParaRPr lang="en-GB" noProof="0"/>
           </a:p>
         </p:txBody>
       </p:sp>
@@ -869,10 +874,9 @@
           <a:lstStyle/>
           <a:p>
             <a:r>
-              <a:rPr lang="en-US" smtClean="0"/>
+              <a:rPr lang="en-US"/>
               <a:t>Click to edit Master title style</a:t>
             </a:r>
-            <a:endParaRPr lang="en-US"/>
           </a:p>
         </p:txBody>
       </p:sp>
@@ -988,10 +992,9 @@
           </a:lstStyle>
           <a:p>
             <a:r>
-              <a:rPr lang="en-US" smtClean="0"/>
+              <a:rPr lang="en-US"/>
               <a:t>Click to edit Master subtitle style</a:t>
             </a:r>
-            <a:endParaRPr lang="en-US"/>
           </a:p>
         </p:txBody>
       </p:sp>
@@ -1019,7 +1022,7 @@
             </a:pPr>
             <a:fld id="{6268AE2B-ECF0-4072-8601-7E29B00449D7}" type="datetime1">
               <a:rPr lang="en-US" smtClean="0"/>
-              <a:t>2/6/2022</a:t>
+              <a:t>12/21/2022</a:t>
             </a:fld>
             <a:endParaRPr lang="en-US"/>
           </a:p>
@@ -1130,10 +1133,9 @@
           <a:lstStyle/>
           <a:p>
             <a:r>
-              <a:rPr lang="en-US" smtClean="0"/>
+              <a:rPr lang="en-US"/>
               <a:t>Click to edit Master title style</a:t>
             </a:r>
-            <a:endParaRPr lang="en-US"/>
           </a:p>
         </p:txBody>
       </p:sp>
@@ -1154,38 +1156,37 @@
           <a:p>
             <a:pPr lvl="0"/>
             <a:r>
-              <a:rPr lang="en-US" smtClean="0"/>
+              <a:rPr lang="en-US"/>
               <a:t>Click to edit Master text styles</a:t>
             </a:r>
           </a:p>
           <a:p>
             <a:pPr lvl="1"/>
             <a:r>
-              <a:rPr lang="en-US" smtClean="0"/>
+              <a:rPr lang="en-US"/>
               <a:t>Second level</a:t>
             </a:r>
           </a:p>
           <a:p>
             <a:pPr lvl="2"/>
             <a:r>
-              <a:rPr lang="en-US" smtClean="0"/>
+              <a:rPr lang="en-US"/>
               <a:t>Third level</a:t>
             </a:r>
           </a:p>
           <a:p>
             <a:pPr lvl="3"/>
             <a:r>
-              <a:rPr lang="en-US" smtClean="0"/>
+              <a:rPr lang="en-US"/>
               <a:t>Fourth level</a:t>
             </a:r>
           </a:p>
           <a:p>
             <a:pPr lvl="4"/>
             <a:r>
-              <a:rPr lang="en-US" smtClean="0"/>
+              <a:rPr lang="en-US"/>
               <a:t>Fifth level</a:t>
             </a:r>
-            <a:endParaRPr lang="en-US"/>
           </a:p>
         </p:txBody>
       </p:sp>
@@ -1213,7 +1214,7 @@
             </a:pPr>
             <a:fld id="{ED00F8F6-53B3-42AE-829D-21D7D54CF6BD}" type="datetime1">
               <a:rPr lang="en-US" smtClean="0"/>
-              <a:t>2/6/2022</a:t>
+              <a:t>12/21/2022</a:t>
             </a:fld>
             <a:endParaRPr lang="en-US"/>
           </a:p>
@@ -1329,10 +1330,9 @@
           <a:lstStyle/>
           <a:p>
             <a:r>
-              <a:rPr lang="en-US" smtClean="0"/>
+              <a:rPr lang="en-US"/>
               <a:t>Click to edit Master title style</a:t>
             </a:r>
-            <a:endParaRPr lang="en-US"/>
           </a:p>
         </p:txBody>
       </p:sp>
@@ -1358,38 +1358,37 @@
           <a:p>
             <a:pPr lvl="0"/>
             <a:r>
-              <a:rPr lang="en-US" smtClean="0"/>
+              <a:rPr lang="en-US"/>
               <a:t>Click to edit Master text styles</a:t>
             </a:r>
           </a:p>
           <a:p>
             <a:pPr lvl="1"/>
             <a:r>
-              <a:rPr lang="en-US" smtClean="0"/>
+              <a:rPr lang="en-US"/>
               <a:t>Second level</a:t>
             </a:r>
           </a:p>
           <a:p>
             <a:pPr lvl="2"/>
             <a:r>
-              <a:rPr lang="en-US" smtClean="0"/>
+              <a:rPr lang="en-US"/>
               <a:t>Third level</a:t>
             </a:r>
           </a:p>
           <a:p>
             <a:pPr lvl="3"/>
             <a:r>
-              <a:rPr lang="en-US" smtClean="0"/>
+              <a:rPr lang="en-US"/>
               <a:t>Fourth level</a:t>
             </a:r>
           </a:p>
           <a:p>
             <a:pPr lvl="4"/>
             <a:r>
-              <a:rPr lang="en-US" smtClean="0"/>
+              <a:rPr lang="en-US"/>
               <a:t>Fifth level</a:t>
             </a:r>
-            <a:endParaRPr lang="en-US"/>
           </a:p>
         </p:txBody>
       </p:sp>
@@ -1417,7 +1416,7 @@
             </a:pPr>
             <a:fld id="{6ECE19B0-9CE1-4A0E-A22D-E01F28C71D01}" type="datetime1">
               <a:rPr lang="en-US" smtClean="0"/>
-              <a:t>2/6/2022</a:t>
+              <a:t>12/21/2022</a:t>
             </a:fld>
             <a:endParaRPr lang="en-US"/>
           </a:p>
@@ -1528,10 +1527,9 @@
           <a:lstStyle/>
           <a:p>
             <a:r>
-              <a:rPr lang="en-US" smtClean="0"/>
+              <a:rPr lang="en-US"/>
               <a:t>Click to edit Master title style</a:t>
             </a:r>
-            <a:endParaRPr lang="en-US"/>
           </a:p>
         </p:txBody>
       </p:sp>
@@ -1552,38 +1550,37 @@
           <a:p>
             <a:pPr lvl="0"/>
             <a:r>
-              <a:rPr lang="en-US" smtClean="0"/>
+              <a:rPr lang="en-US"/>
               <a:t>Click to edit Master text styles</a:t>
             </a:r>
           </a:p>
           <a:p>
             <a:pPr lvl="1"/>
             <a:r>
-              <a:rPr lang="en-US" smtClean="0"/>
+              <a:rPr lang="en-US"/>
               <a:t>Second level</a:t>
             </a:r>
           </a:p>
           <a:p>
             <a:pPr lvl="2"/>
             <a:r>
-              <a:rPr lang="en-US" smtClean="0"/>
+              <a:rPr lang="en-US"/>
               <a:t>Third level</a:t>
             </a:r>
           </a:p>
           <a:p>
             <a:pPr lvl="3"/>
             <a:r>
-              <a:rPr lang="en-US" smtClean="0"/>
+              <a:rPr lang="en-US"/>
               <a:t>Fourth level</a:t>
             </a:r>
           </a:p>
           <a:p>
             <a:pPr lvl="4"/>
             <a:r>
-              <a:rPr lang="en-US" smtClean="0"/>
+              <a:rPr lang="en-US"/>
               <a:t>Fifth level</a:t>
             </a:r>
-            <a:endParaRPr lang="en-US"/>
           </a:p>
         </p:txBody>
       </p:sp>
@@ -1611,7 +1608,7 @@
             </a:pPr>
             <a:fld id="{6581382E-B55B-49C9-92A2-AE919AA3C288}" type="datetime1">
               <a:rPr lang="en-US" smtClean="0"/>
-              <a:t>2/6/2022</a:t>
+              <a:t>12/21/2022</a:t>
             </a:fld>
             <a:endParaRPr lang="en-US"/>
           </a:p>
@@ -1731,10 +1728,9 @@
           </a:lstStyle>
           <a:p>
             <a:r>
-              <a:rPr lang="en-US" smtClean="0"/>
+              <a:rPr lang="en-US"/>
               <a:t>Click to edit Master title style</a:t>
             </a:r>
-            <a:endParaRPr lang="en-US"/>
           </a:p>
         </p:txBody>
       </p:sp>
@@ -1851,7 +1847,7 @@
           <a:p>
             <a:pPr lvl="0"/>
             <a:r>
-              <a:rPr lang="en-US" smtClean="0"/>
+              <a:rPr lang="en-US"/>
               <a:t>Click to edit Master text styles</a:t>
             </a:r>
           </a:p>
@@ -1881,7 +1877,7 @@
             </a:pPr>
             <a:fld id="{AF60D65C-9047-40E1-8646-09522FD99458}" type="datetime1">
               <a:rPr lang="en-US" smtClean="0"/>
-              <a:t>2/6/2022</a:t>
+              <a:t>12/21/2022</a:t>
             </a:fld>
             <a:endParaRPr lang="en-US"/>
           </a:p>
@@ -1992,10 +1988,9 @@
           <a:lstStyle/>
           <a:p>
             <a:r>
-              <a:rPr lang="en-US" smtClean="0"/>
+              <a:rPr lang="en-US"/>
               <a:t>Click to edit Master title style</a:t>
             </a:r>
-            <a:endParaRPr lang="en-US"/>
           </a:p>
         </p:txBody>
       </p:sp>
@@ -2049,38 +2044,37 @@
           <a:p>
             <a:pPr lvl="0"/>
             <a:r>
-              <a:rPr lang="en-US" smtClean="0"/>
+              <a:rPr lang="en-US"/>
               <a:t>Click to edit Master text styles</a:t>
             </a:r>
           </a:p>
           <a:p>
             <a:pPr lvl="1"/>
             <a:r>
-              <a:rPr lang="en-US" smtClean="0"/>
+              <a:rPr lang="en-US"/>
               <a:t>Second level</a:t>
             </a:r>
           </a:p>
           <a:p>
             <a:pPr lvl="2"/>
             <a:r>
-              <a:rPr lang="en-US" smtClean="0"/>
+              <a:rPr lang="en-US"/>
               <a:t>Third level</a:t>
             </a:r>
           </a:p>
           <a:p>
             <a:pPr lvl="3"/>
             <a:r>
-              <a:rPr lang="en-US" smtClean="0"/>
+              <a:rPr lang="en-US"/>
               <a:t>Fourth level</a:t>
             </a:r>
           </a:p>
           <a:p>
             <a:pPr lvl="4"/>
             <a:r>
-              <a:rPr lang="en-US" smtClean="0"/>
+              <a:rPr lang="en-US"/>
               <a:t>Fifth level</a:t>
             </a:r>
-            <a:endParaRPr lang="en-US"/>
           </a:p>
         </p:txBody>
       </p:sp>
@@ -2134,38 +2128,37 @@
           <a:p>
             <a:pPr lvl="0"/>
             <a:r>
-              <a:rPr lang="en-US" smtClean="0"/>
+              <a:rPr lang="en-US"/>
               <a:t>Click to edit Master text styles</a:t>
             </a:r>
           </a:p>
           <a:p>
             <a:pPr lvl="1"/>
             <a:r>
-              <a:rPr lang="en-US" smtClean="0"/>
+              <a:rPr lang="en-US"/>
               <a:t>Second level</a:t>
             </a:r>
           </a:p>
           <a:p>
             <a:pPr lvl="2"/>
             <a:r>
-              <a:rPr lang="en-US" smtClean="0"/>
+              <a:rPr lang="en-US"/>
               <a:t>Third level</a:t>
             </a:r>
           </a:p>
           <a:p>
             <a:pPr lvl="3"/>
             <a:r>
-              <a:rPr lang="en-US" smtClean="0"/>
+              <a:rPr lang="en-US"/>
               <a:t>Fourth level</a:t>
             </a:r>
           </a:p>
           <a:p>
             <a:pPr lvl="4"/>
             <a:r>
-              <a:rPr lang="en-US" smtClean="0"/>
+              <a:rPr lang="en-US"/>
               <a:t>Fifth level</a:t>
             </a:r>
-            <a:endParaRPr lang="en-US"/>
           </a:p>
         </p:txBody>
       </p:sp>
@@ -2193,7 +2186,7 @@
             </a:pPr>
             <a:fld id="{0FC2AC8D-2DE8-482E-A220-B592FB00498C}" type="datetime1">
               <a:rPr lang="en-US" smtClean="0"/>
-              <a:t>2/6/2022</a:t>
+              <a:t>12/21/2022</a:t>
             </a:fld>
             <a:endParaRPr lang="en-US"/>
           </a:p>
@@ -2308,10 +2301,9 @@
           </a:lstStyle>
           <a:p>
             <a:r>
-              <a:rPr lang="en-US" smtClean="0"/>
+              <a:rPr lang="en-US"/>
               <a:t>Click to edit Master title style</a:t>
             </a:r>
-            <a:endParaRPr lang="en-US"/>
           </a:p>
         </p:txBody>
       </p:sp>
@@ -2374,7 +2366,7 @@
           <a:p>
             <a:pPr lvl="0"/>
             <a:r>
-              <a:rPr lang="en-US" smtClean="0"/>
+              <a:rPr lang="en-US"/>
               <a:t>Click to edit Master text styles</a:t>
             </a:r>
           </a:p>
@@ -2430,38 +2422,37 @@
           <a:p>
             <a:pPr lvl="0"/>
             <a:r>
-              <a:rPr lang="en-US" smtClean="0"/>
+              <a:rPr lang="en-US"/>
               <a:t>Click to edit Master text styles</a:t>
             </a:r>
           </a:p>
           <a:p>
             <a:pPr lvl="1"/>
             <a:r>
-              <a:rPr lang="en-US" smtClean="0"/>
+              <a:rPr lang="en-US"/>
               <a:t>Second level</a:t>
             </a:r>
           </a:p>
           <a:p>
             <a:pPr lvl="2"/>
             <a:r>
-              <a:rPr lang="en-US" smtClean="0"/>
+              <a:rPr lang="en-US"/>
               <a:t>Third level</a:t>
             </a:r>
           </a:p>
           <a:p>
             <a:pPr lvl="3"/>
             <a:r>
-              <a:rPr lang="en-US" smtClean="0"/>
+              <a:rPr lang="en-US"/>
               <a:t>Fourth level</a:t>
             </a:r>
           </a:p>
           <a:p>
             <a:pPr lvl="4"/>
             <a:r>
-              <a:rPr lang="en-US" smtClean="0"/>
+              <a:rPr lang="en-US"/>
               <a:t>Fifth level</a:t>
             </a:r>
-            <a:endParaRPr lang="en-US"/>
           </a:p>
         </p:txBody>
       </p:sp>
@@ -2524,7 +2515,7 @@
           <a:p>
             <a:pPr lvl="0"/>
             <a:r>
-              <a:rPr lang="en-US" smtClean="0"/>
+              <a:rPr lang="en-US"/>
               <a:t>Click to edit Master text styles</a:t>
             </a:r>
           </a:p>
@@ -2580,38 +2571,37 @@
           <a:p>
             <a:pPr lvl="0"/>
             <a:r>
-              <a:rPr lang="en-US" smtClean="0"/>
+              <a:rPr lang="en-US"/>
               <a:t>Click to edit Master text styles</a:t>
             </a:r>
           </a:p>
           <a:p>
             <a:pPr lvl="1"/>
             <a:r>
-              <a:rPr lang="en-US" smtClean="0"/>
+              <a:rPr lang="en-US"/>
               <a:t>Second level</a:t>
             </a:r>
           </a:p>
           <a:p>
             <a:pPr lvl="2"/>
             <a:r>
-              <a:rPr lang="en-US" smtClean="0"/>
+              <a:rPr lang="en-US"/>
               <a:t>Third level</a:t>
             </a:r>
           </a:p>
           <a:p>
             <a:pPr lvl="3"/>
             <a:r>
-              <a:rPr lang="en-US" smtClean="0"/>
+              <a:rPr lang="en-US"/>
               <a:t>Fourth level</a:t>
             </a:r>
           </a:p>
           <a:p>
             <a:pPr lvl="4"/>
             <a:r>
-              <a:rPr lang="en-US" smtClean="0"/>
+              <a:rPr lang="en-US"/>
               <a:t>Fifth level</a:t>
             </a:r>
-            <a:endParaRPr lang="en-US"/>
           </a:p>
         </p:txBody>
       </p:sp>
@@ -2639,7 +2629,7 @@
             </a:pPr>
             <a:fld id="{51D7EBD7-8C49-41D2-8069-61FFFCED6E6A}" type="datetime1">
               <a:rPr lang="en-US" smtClean="0"/>
-              <a:t>2/6/2022</a:t>
+              <a:t>12/21/2022</a:t>
             </a:fld>
             <a:endParaRPr lang="en-US"/>
           </a:p>
@@ -2750,10 +2740,9 @@
           <a:lstStyle/>
           <a:p>
             <a:r>
-              <a:rPr lang="en-US" smtClean="0"/>
+              <a:rPr lang="en-US"/>
               <a:t>Click to edit Master title style</a:t>
             </a:r>
-            <a:endParaRPr lang="en-US"/>
           </a:p>
         </p:txBody>
       </p:sp>
@@ -2781,7 +2770,7 @@
             </a:pPr>
             <a:fld id="{0E5FF57A-6776-46C9-A679-AAC6EBC344C6}" type="datetime1">
               <a:rPr lang="en-US" smtClean="0"/>
-              <a:t>2/6/2022</a:t>
+              <a:t>12/21/2022</a:t>
             </a:fld>
             <a:endParaRPr lang="en-US"/>
           </a:p>
@@ -2900,7 +2889,7 @@
             </a:pPr>
             <a:fld id="{4BC06737-7E8E-458F-ADB4-3371CC83C825}" type="datetime1">
               <a:rPr lang="en-US" smtClean="0"/>
-              <a:t>2/6/2022</a:t>
+              <a:t>12/21/2022</a:t>
             </a:fld>
             <a:endParaRPr lang="en-US"/>
           </a:p>
@@ -3020,10 +3009,9 @@
           </a:lstStyle>
           <a:p>
             <a:r>
-              <a:rPr lang="en-US" smtClean="0"/>
+              <a:rPr lang="en-US"/>
               <a:t>Click to edit Master title style</a:t>
             </a:r>
-            <a:endParaRPr lang="en-US"/>
           </a:p>
         </p:txBody>
       </p:sp>
@@ -3077,38 +3065,37 @@
           <a:p>
             <a:pPr lvl="0"/>
             <a:r>
-              <a:rPr lang="en-US" smtClean="0"/>
+              <a:rPr lang="en-US"/>
               <a:t>Click to edit Master text styles</a:t>
             </a:r>
           </a:p>
           <a:p>
             <a:pPr lvl="1"/>
             <a:r>
-              <a:rPr lang="en-US" smtClean="0"/>
+              <a:rPr lang="en-US"/>
               <a:t>Second level</a:t>
             </a:r>
           </a:p>
           <a:p>
             <a:pPr lvl="2"/>
             <a:r>
-              <a:rPr lang="en-US" smtClean="0"/>
+              <a:rPr lang="en-US"/>
               <a:t>Third level</a:t>
             </a:r>
           </a:p>
           <a:p>
             <a:pPr lvl="3"/>
             <a:r>
-              <a:rPr lang="en-US" smtClean="0"/>
+              <a:rPr lang="en-US"/>
               <a:t>Fourth level</a:t>
             </a:r>
           </a:p>
           <a:p>
             <a:pPr lvl="4"/>
             <a:r>
-              <a:rPr lang="en-US" smtClean="0"/>
+              <a:rPr lang="en-US"/>
               <a:t>Fifth level</a:t>
             </a:r>
-            <a:endParaRPr lang="en-US"/>
           </a:p>
         </p:txBody>
       </p:sp>
@@ -3171,7 +3158,7 @@
           <a:p>
             <a:pPr lvl="0"/>
             <a:r>
-              <a:rPr lang="en-US" smtClean="0"/>
+              <a:rPr lang="en-US"/>
               <a:t>Click to edit Master text styles</a:t>
             </a:r>
           </a:p>
@@ -3201,7 +3188,7 @@
             </a:pPr>
             <a:fld id="{3F7F52C8-7BDB-4CCF-8FDC-E811525F152F}" type="datetime1">
               <a:rPr lang="en-US" smtClean="0"/>
-              <a:t>2/6/2022</a:t>
+              <a:t>12/21/2022</a:t>
             </a:fld>
             <a:endParaRPr lang="en-US"/>
           </a:p>
@@ -3321,10 +3308,9 @@
           </a:lstStyle>
           <a:p>
             <a:r>
-              <a:rPr lang="en-US" smtClean="0"/>
+              <a:rPr lang="en-US"/>
               <a:t>Click to edit Master title style</a:t>
             </a:r>
-            <a:endParaRPr lang="en-US"/>
           </a:p>
         </p:txBody>
       </p:sp>
@@ -3451,7 +3437,7 @@
           <a:p>
             <a:pPr lvl="0"/>
             <a:r>
-              <a:rPr lang="en-US" smtClean="0"/>
+              <a:rPr lang="en-US"/>
               <a:t>Click to edit Master text styles</a:t>
             </a:r>
           </a:p>
@@ -3481,7 +3467,7 @@
             </a:pPr>
             <a:fld id="{C32E4405-A394-4682-9451-194CA4F70646}" type="datetime1">
               <a:rPr lang="en-US" smtClean="0"/>
-              <a:t>2/6/2022</a:t>
+              <a:t>12/21/2022</a:t>
             </a:fld>
             <a:endParaRPr lang="en-US"/>
           </a:p>
@@ -3638,7 +3624,7 @@
           <a:p>
             <a:pPr lvl="0"/>
             <a:r>
-              <a:rPr lang="en-US" altLang="en-US" smtClean="0"/>
+              <a:rPr lang="en-US" altLang="en-US"/>
               <a:t>Click to edit Master title style</a:t>
             </a:r>
           </a:p>
@@ -3696,35 +3682,35 @@
           <a:p>
             <a:pPr lvl="0"/>
             <a:r>
-              <a:rPr lang="en-US" altLang="en-US" smtClean="0"/>
+              <a:rPr lang="en-US" altLang="en-US"/>
               <a:t>Click to edit Master text styles</a:t>
             </a:r>
           </a:p>
           <a:p>
             <a:pPr lvl="1"/>
             <a:r>
-              <a:rPr lang="en-US" altLang="en-US" smtClean="0"/>
+              <a:rPr lang="en-US" altLang="en-US"/>
               <a:t>Second level</a:t>
             </a:r>
           </a:p>
           <a:p>
             <a:pPr lvl="2"/>
             <a:r>
-              <a:rPr lang="en-US" altLang="en-US" smtClean="0"/>
+              <a:rPr lang="en-US" altLang="en-US"/>
               <a:t>Third level</a:t>
             </a:r>
           </a:p>
           <a:p>
             <a:pPr lvl="3"/>
             <a:r>
-              <a:rPr lang="en-US" altLang="en-US" smtClean="0"/>
+              <a:rPr lang="en-US" altLang="en-US"/>
               <a:t>Fourth level</a:t>
             </a:r>
           </a:p>
           <a:p>
             <a:pPr lvl="4"/>
             <a:r>
-              <a:rPr lang="en-US" altLang="en-US" smtClean="0"/>
+              <a:rPr lang="en-US" altLang="en-US"/>
               <a:t>Fifth level</a:t>
             </a:r>
           </a:p>
@@ -3768,7 +3754,7 @@
             </a:pPr>
             <a:fld id="{D0EE670A-C192-4868-88AA-127F9F3CDE67}" type="datetime1">
               <a:rPr lang="en-US" smtClean="0"/>
-              <a:t>2/6/2022</a:t>
+              <a:t>12/21/2022</a:t>
             </a:fld>
             <a:endParaRPr lang="en-US"/>
           </a:p>
@@ -4301,7 +4287,7 @@
               <a:buNone/>
               <a:defRPr/>
             </a:pPr>
-            <a:endParaRPr lang="en-GB" dirty="0" smtClean="0"/>
+            <a:endParaRPr lang="en-GB" dirty="0"/>
           </a:p>
           <a:p>
             <a:pPr marL="0" indent="0">
@@ -4416,7 +4402,7 @@
               <a:defRPr/>
             </a:pPr>
             <a:r>
-              <a:rPr lang="en-GB" sz="2400" b="1" dirty="0" smtClean="0">
+              <a:rPr lang="en-GB" sz="2400" b="1" dirty="0">
                 <a:solidFill>
                   <a:schemeClr val="accent1">
                     <a:lumMod val="75000"/>
@@ -4424,18 +4410,7 @@
                 </a:solidFill>
                 <a:latin typeface="+mj-lt"/>
               </a:rPr>
-              <a:t>Go to File </a:t>
-            </a:r>
-            <a:r>
-              <a:rPr lang="en-GB" sz="2400" b="1" dirty="0">
-                <a:solidFill>
-                  <a:schemeClr val="accent1">
-                    <a:lumMod val="75000"/>
-                  </a:schemeClr>
-                </a:solidFill>
-                <a:latin typeface="+mj-lt"/>
-              </a:rPr>
-              <a:t>&gt; New File &gt; R Markdown </a:t>
+              <a:t>Go to File &gt; New File &gt; R Markdown </a:t>
             </a:r>
           </a:p>
         </p:txBody>
@@ -4618,7 +4593,7 @@
           </a:lstStyle>
           <a:p>
             <a:r>
-              <a:rPr lang="en-GB" sz="2800" dirty="0" smtClean="0">
+              <a:rPr lang="en-GB" sz="2800" dirty="0">
                 <a:solidFill>
                   <a:srgbClr val="0070C0"/>
                 </a:solidFill>
@@ -4626,10 +4601,9 @@
               <a:t>R Markdown </a:t>
             </a:r>
             <a:r>
-              <a:rPr lang="en-GB" sz="2800" dirty="0" smtClean="0"/>
+              <a:rPr lang="en-GB" sz="2800" dirty="0"/>
               <a:t>files allow you to easily embed R code, tables, figures and text within a report</a:t>
             </a:r>
-            <a:endParaRPr lang="en-GB" sz="2800" dirty="0"/>
           </a:p>
         </p:txBody>
       </p:sp>
@@ -4656,7 +4630,7 @@
           <a:lstStyle/>
           <a:p>
             <a:r>
-              <a:rPr lang="en-GB" sz="1200" dirty="0" smtClean="0">
+              <a:rPr lang="en-GB" sz="1200" dirty="0">
                 <a:solidFill>
                   <a:schemeClr val="bg1">
                     <a:lumMod val="50000"/>
@@ -4667,7 +4641,7 @@
               <a:t>Using </a:t>
             </a:r>
             <a:r>
-              <a:rPr lang="en-GB" sz="1200" dirty="0" err="1" smtClean="0">
+              <a:rPr lang="en-GB" sz="1200" dirty="0" err="1">
                 <a:solidFill>
                   <a:schemeClr val="bg1">
                     <a:lumMod val="50000"/>
@@ -4678,7 +4652,7 @@
               <a:t>Rmd</a:t>
             </a:r>
             <a:r>
-              <a:rPr lang="en-GB" sz="1200" dirty="0" smtClean="0">
+              <a:rPr lang="en-GB" sz="1200" dirty="0">
                 <a:solidFill>
                   <a:schemeClr val="bg1">
                     <a:lumMod val="50000"/>
@@ -4686,9 +4660,9 @@
                 </a:solidFill>
                 <a:latin typeface="+mj-lt"/>
               </a:rPr>
-              <a:t> files. Chris Berry. 2022</a:t>
-            </a:r>
-            <a:endParaRPr lang="en-GB" sz="2400" dirty="0" smtClean="0">
+              <a:t> files. Chris Berry. 2023</a:t>
+            </a:r>
+            <a:endParaRPr lang="en-GB" sz="2400" dirty="0">
               <a:solidFill>
                 <a:schemeClr val="bg1">
                   <a:lumMod val="50000"/>
@@ -5036,7 +5010,7 @@
               <a:defRPr/>
             </a:pPr>
             <a:r>
-              <a:rPr lang="en-GB" sz="2400" dirty="0" smtClean="0">
+              <a:rPr lang="en-GB" sz="2400" dirty="0">
                 <a:solidFill>
                   <a:schemeClr val="tx1"/>
                 </a:solidFill>
@@ -5302,10 +5276,10 @@
           </a:lstStyle>
           <a:p>
             <a:r>
-              <a:rPr lang="en-GB" altLang="en-US" smtClean="0"/>
+              <a:rPr lang="en-GB" altLang="en-US"/>
               <a:t>Tips on writing your Rmd file</a:t>
             </a:r>
-            <a:endParaRPr lang="en-GB" altLang="en-US" dirty="0" smtClean="0"/>
+            <a:endParaRPr lang="en-GB" altLang="en-US" dirty="0"/>
           </a:p>
         </p:txBody>
       </p:sp>
@@ -5343,13 +5317,6 @@
   <p:clrMapOvr>
     <a:masterClrMapping/>
   </p:clrMapOvr>
-  <p:timing>
-    <p:tnLst>
-      <p:par>
-        <p:cTn id="1" dur="indefinite" restart="never" nodeType="tmRoot"/>
-      </p:par>
-    </p:tnLst>
-  </p:timing>
 </p:sld>
 </file>
 
@@ -5394,15 +5361,15 @@
           <a:lstStyle/>
           <a:p>
             <a:r>
-              <a:rPr lang="en-GB" altLang="en-US" dirty="0" smtClean="0"/>
+              <a:rPr lang="en-GB" altLang="en-US" dirty="0"/>
               <a:t>Tips on writing your </a:t>
             </a:r>
             <a:r>
-              <a:rPr lang="en-GB" altLang="en-US" dirty="0" err="1" smtClean="0"/>
+              <a:rPr lang="en-GB" altLang="en-US" dirty="0" err="1"/>
               <a:t>Rmd</a:t>
             </a:r>
             <a:r>
-              <a:rPr lang="en-GB" altLang="en-US" dirty="0" smtClean="0"/>
+              <a:rPr lang="en-GB" altLang="en-US" dirty="0"/>
               <a:t> file</a:t>
             </a:r>
           </a:p>
@@ -5656,7 +5623,7 @@
               <a:defRPr/>
             </a:pPr>
             <a:r>
-              <a:rPr lang="en-GB" sz="2400" i="1" u="sng" noProof="0" dirty="0" smtClean="0">
+              <a:rPr lang="en-GB" sz="2400" i="1" u="sng" noProof="0" dirty="0">
                 <a:solidFill>
                   <a:prstClr val="black"/>
                 </a:solidFill>
@@ -5665,7 +5632,7 @@
               <a:t>Outside</a:t>
             </a:r>
             <a:r>
-              <a:rPr lang="en-GB" sz="2400" noProof="0" dirty="0" smtClean="0">
+              <a:rPr lang="en-GB" sz="2400" noProof="0" dirty="0">
                 <a:solidFill>
                   <a:prstClr val="black"/>
                 </a:solidFill>
@@ -5683,7 +5650,7 @@
               <a:t>u</a:t>
             </a:r>
             <a:r>
-              <a:rPr lang="en-GB" sz="2400" noProof="0" dirty="0" smtClean="0">
+              <a:rPr lang="en-GB" sz="2400" noProof="0" dirty="0">
                 <a:solidFill>
                   <a:prstClr val="black"/>
                 </a:solidFill>
@@ -5881,11 +5848,11 @@
           <a:lstStyle/>
           <a:p>
             <a:r>
-              <a:rPr lang="en-GB" dirty="0" smtClean="0"/>
+              <a:rPr lang="en-GB" dirty="0"/>
               <a:t>Useful R Markdown </a:t>
             </a:r>
             <a:r>
-              <a:rPr lang="en-GB" dirty="0" err="1" smtClean="0"/>
+              <a:rPr lang="en-GB" dirty="0" err="1"/>
               <a:t>Cheatsheet</a:t>
             </a:r>
             <a:endParaRPr lang="en-GB" dirty="0"/>
@@ -5919,21 +5886,15 @@
               <a:rPr lang="en-GB" dirty="0">
                 <a:hlinkClick r:id="rId2"/>
               </a:rPr>
-              <a:t>https://</a:t>
-            </a:r>
-            <a:r>
-              <a:rPr lang="en-GB" dirty="0" smtClean="0">
-                <a:hlinkClick r:id="rId2"/>
-              </a:rPr>
-              <a:t>raw.githubusercontent.com/rstudio/cheatsheets/main/rmarkdown.pdf</a:t>
-            </a:r>
-            <a:endParaRPr lang="en-GB" dirty="0" smtClean="0"/>
+              <a:t>https://raw.githubusercontent.com/rstudio/cheatsheets/main/rmarkdown.pdf</a:t>
+            </a:r>
+            <a:endParaRPr lang="en-GB" dirty="0"/>
           </a:p>
           <a:p>
             <a:pPr marL="0" indent="0" algn="ctr">
               <a:buNone/>
             </a:pPr>
-            <a:endParaRPr lang="en-GB" dirty="0" smtClean="0"/>
+            <a:endParaRPr lang="en-GB" dirty="0"/>
           </a:p>
           <a:p>
             <a:pPr marL="0" indent="0">
@@ -6013,13 +5974,6 @@
   <p:clrMapOvr>
     <a:masterClrMapping/>
   </p:clrMapOvr>
-  <p:timing>
-    <p:tnLst>
-      <p:par>
-        <p:cTn id="1" dur="indefinite" restart="never" nodeType="tmRoot"/>
-      </p:par>
-    </p:tnLst>
-  </p:timing>
 </p:sld>
 </file>
 
@@ -6064,15 +6018,15 @@
           <a:lstStyle/>
           <a:p>
             <a:r>
-              <a:rPr lang="en-GB" altLang="en-US" dirty="0" smtClean="0"/>
+              <a:rPr lang="en-GB" altLang="en-US" dirty="0"/>
               <a:t>Tips on writing your </a:t>
             </a:r>
             <a:r>
-              <a:rPr lang="en-GB" altLang="en-US" dirty="0" err="1" smtClean="0"/>
+              <a:rPr lang="en-GB" altLang="en-US" dirty="0" err="1"/>
               <a:t>Rmd</a:t>
             </a:r>
             <a:r>
-              <a:rPr lang="en-GB" altLang="en-US" dirty="0" smtClean="0"/>
+              <a:rPr lang="en-GB" altLang="en-US" dirty="0"/>
               <a:t> file</a:t>
             </a:r>
           </a:p>
@@ -6376,7 +6330,7 @@
           </a:lstStyle>
           <a:p>
             <a:r>
-              <a:rPr lang="en-GB" altLang="en-US" sz="2400" dirty="0" smtClean="0">
+              <a:rPr lang="en-GB" altLang="en-US" sz="2400" dirty="0">
                 <a:solidFill>
                   <a:schemeClr val="tx1"/>
                 </a:solidFill>
@@ -6385,13 +6339,6 @@
               </a:rPr>
               <a:t>_r_ </a:t>
             </a:r>
-            <a:endParaRPr lang="en-GB" altLang="en-US" sz="2400" dirty="0">
-              <a:solidFill>
-                <a:schemeClr val="tx1"/>
-              </a:solidFill>
-              <a:latin typeface="Courier New" panose="02070309020205020404" pitchFamily="49" charset="0"/>
-              <a:cs typeface="Courier New" panose="02070309020205020404" pitchFamily="49" charset="0"/>
-            </a:endParaRPr>
           </a:p>
         </p:txBody>
       </p:sp>
@@ -6421,7 +6368,7 @@
               <a:defRPr/>
             </a:pPr>
             <a:r>
-              <a:rPr lang="en-GB" i="1" dirty="0" smtClean="0">
+              <a:rPr lang="en-GB" i="1" dirty="0">
                 <a:solidFill>
                   <a:schemeClr val="tx1"/>
                 </a:solidFill>
@@ -6589,25 +6536,8 @@
                 <a:latin typeface="Courier New" panose="02070309020205020404" pitchFamily="49" charset="0"/>
                 <a:cs typeface="Courier New" panose="02070309020205020404" pitchFamily="49" charset="0"/>
               </a:rPr>
-              <a:t>_R_^2</a:t>
-            </a:r>
-            <a:r>
-              <a:rPr lang="en-GB" altLang="en-US" sz="2400" dirty="0" smtClean="0">
-                <a:solidFill>
-                  <a:schemeClr val="tx1"/>
-                </a:solidFill>
-                <a:latin typeface="Courier New" panose="02070309020205020404" pitchFamily="49" charset="0"/>
-                <a:cs typeface="Courier New" panose="02070309020205020404" pitchFamily="49" charset="0"/>
-              </a:rPr>
-              <a:t>^ = 0.43</a:t>
-            </a:r>
-            <a:endParaRPr lang="en-GB" altLang="en-US" sz="2400" dirty="0">
-              <a:solidFill>
-                <a:schemeClr val="tx1"/>
-              </a:solidFill>
-              <a:latin typeface="Courier New" panose="02070309020205020404" pitchFamily="49" charset="0"/>
-              <a:cs typeface="Courier New" panose="02070309020205020404" pitchFamily="49" charset="0"/>
-            </a:endParaRPr>
+              <a:t>_R_^2^ = 0.43</a:t>
+            </a:r>
           </a:p>
         </p:txBody>
       </p:sp>
@@ -6637,7 +6567,7 @@
               <a:defRPr/>
             </a:pPr>
             <a:r>
-              <a:rPr lang="en-GB" i="1" dirty="0" smtClean="0">
+              <a:rPr lang="en-GB" i="1" dirty="0">
                 <a:solidFill>
                   <a:schemeClr val="tx1"/>
                 </a:solidFill>
@@ -6646,7 +6576,7 @@
               <a:t>R</a:t>
             </a:r>
             <a:r>
-              <a:rPr lang="en-GB" baseline="30000" dirty="0" smtClean="0">
+              <a:rPr lang="en-GB" baseline="30000" dirty="0">
                 <a:solidFill>
                   <a:schemeClr val="tx1"/>
                 </a:solidFill>
@@ -6655,7 +6585,7 @@
               <a:t>2 </a:t>
             </a:r>
             <a:r>
-              <a:rPr lang="en-GB" dirty="0" smtClean="0">
+              <a:rPr lang="en-GB" dirty="0">
                 <a:solidFill>
                   <a:schemeClr val="tx1"/>
                 </a:solidFill>
@@ -6663,12 +6593,6 @@
               </a:rPr>
               <a:t>= 0.43</a:t>
             </a:r>
-            <a:endParaRPr lang="en-GB" dirty="0">
-              <a:solidFill>
-                <a:schemeClr val="tx1"/>
-              </a:solidFill>
-              <a:latin typeface="+mj-lt"/>
-            </a:endParaRPr>
           </a:p>
         </p:txBody>
       </p:sp>
@@ -6985,18 +6909,15 @@
           <a:lstStyle/>
           <a:p>
             <a:r>
-              <a:rPr lang="en-GB" dirty="0" smtClean="0"/>
+              <a:rPr lang="en-GB" dirty="0"/>
               <a:t>Code at the top of a code chunk, e.g.  </a:t>
             </a:r>
             <a:r>
-              <a:rPr lang="en-GB" dirty="0" smtClean="0">
+              <a:rPr lang="en-GB" dirty="0">
                 <a:latin typeface="Lucida Console" panose="020B0609040504020204" pitchFamily="49" charset="0"/>
               </a:rPr>
               <a:t>```{r, include=FALSE}</a:t>
             </a:r>
-            <a:endParaRPr lang="en-GB" dirty="0">
-              <a:latin typeface="Lucida Console" panose="020B0609040504020204" pitchFamily="49" charset="0"/>
-            </a:endParaRPr>
           </a:p>
         </p:txBody>
       </p:sp>
@@ -7034,98 +6955,11 @@
               <a:rPr lang="en-GB" dirty="0">
                 <a:latin typeface="Lucida Console" panose="020B0609040504020204" pitchFamily="49" charset="0"/>
               </a:rPr>
-              <a:t>nclude = </a:t>
-            </a:r>
-            <a:r>
-              <a:rPr lang="en-GB" dirty="0" smtClean="0">
-                <a:latin typeface="Lucida Console" panose="020B0609040504020204" pitchFamily="49" charset="0"/>
-              </a:rPr>
-              <a:t>FALSE		</a:t>
-            </a:r>
-            <a:r>
-              <a:rPr lang="en-GB" dirty="0" smtClean="0"/>
-              <a:t>prevents </a:t>
+              <a:t>nclude = FALSE		</a:t>
             </a:r>
             <a:r>
               <a:rPr lang="en-GB" dirty="0"/>
-              <a:t>code and results from appearing in the finished </a:t>
-            </a:r>
-            <a:r>
-              <a:rPr lang="en-GB" dirty="0" smtClean="0"/>
-              <a:t>					file</a:t>
-            </a:r>
-            <a:r>
-              <a:rPr lang="en-GB" dirty="0"/>
-              <a:t>. R Markdown still runs the code in the chunk, and the </a:t>
-            </a:r>
-            <a:r>
-              <a:rPr lang="en-GB" dirty="0" smtClean="0"/>
-              <a:t>					results </a:t>
-            </a:r>
-            <a:r>
-              <a:rPr lang="en-GB" dirty="0"/>
-              <a:t>can be used by other </a:t>
-            </a:r>
-            <a:r>
-              <a:rPr lang="en-GB" dirty="0" smtClean="0"/>
-              <a:t>chunks</a:t>
-            </a:r>
-          </a:p>
-          <a:p>
-            <a:pPr marL="0" indent="0">
-              <a:spcBef>
-                <a:spcPts val="0"/>
-              </a:spcBef>
-              <a:buNone/>
-            </a:pPr>
-            <a:endParaRPr lang="en-GB" dirty="0" smtClean="0">
-              <a:latin typeface="Lucida Console" panose="020B0609040504020204" pitchFamily="49" charset="0"/>
-            </a:endParaRPr>
-          </a:p>
-          <a:p>
-            <a:pPr marL="0" indent="0">
-              <a:spcBef>
-                <a:spcPts val="0"/>
-              </a:spcBef>
-              <a:buNone/>
-            </a:pPr>
-            <a:r>
-              <a:rPr lang="en-GB" dirty="0" smtClean="0">
-                <a:latin typeface="Lucida Console" panose="020B0609040504020204" pitchFamily="49" charset="0"/>
-              </a:rPr>
-              <a:t>echo </a:t>
-            </a:r>
-            <a:r>
-              <a:rPr lang="en-GB" dirty="0">
-                <a:latin typeface="Lucida Console" panose="020B0609040504020204" pitchFamily="49" charset="0"/>
-              </a:rPr>
-              <a:t>= FALSE </a:t>
-            </a:r>
-            <a:r>
-              <a:rPr lang="en-GB" dirty="0" smtClean="0">
-                <a:latin typeface="Lucida Console" panose="020B0609040504020204" pitchFamily="49" charset="0"/>
-              </a:rPr>
-              <a:t>		</a:t>
-            </a:r>
-            <a:r>
-              <a:rPr lang="en-GB" dirty="0" smtClean="0"/>
-              <a:t>prevents </a:t>
-            </a:r>
-            <a:r>
-              <a:rPr lang="en-GB" dirty="0"/>
-              <a:t>code, but not the results from appearing in the </a:t>
-            </a:r>
-            <a:r>
-              <a:rPr lang="en-GB" dirty="0" smtClean="0"/>
-              <a:t>						finished </a:t>
-            </a:r>
-            <a:r>
-              <a:rPr lang="en-GB" dirty="0"/>
-              <a:t>file. This is a useful way to embed figures</a:t>
-            </a:r>
-            <a:r>
-              <a:rPr lang="en-GB" dirty="0" smtClean="0"/>
-              <a:t>.</a:t>
+              <a:t>prevents code and results from appearing in the finished 					file. R Markdown still runs the code in the chunk, and the 					results can be used by other chunks</a:t>
             </a:r>
           </a:p>
           <a:p>
@@ -7147,42 +6981,14 @@
               <a:buNone/>
             </a:pPr>
             <a:r>
-              <a:rPr lang="en-GB" dirty="0" smtClean="0">
-                <a:latin typeface="Lucida Console" panose="020B0609040504020204" pitchFamily="49" charset="0"/>
-              </a:rPr>
-              <a:t>message </a:t>
-            </a:r>
-            <a:r>
               <a:rPr lang="en-GB" dirty="0">
                 <a:latin typeface="Lucida Console" panose="020B0609040504020204" pitchFamily="49" charset="0"/>
               </a:rPr>
-              <a:t>= FALSE </a:t>
-            </a:r>
-            <a:r>
-              <a:rPr lang="en-GB" dirty="0" smtClean="0">
-                <a:latin typeface="Lucida Console" panose="020B0609040504020204" pitchFamily="49" charset="0"/>
-              </a:rPr>
-              <a:t>		</a:t>
-            </a:r>
-            <a:r>
-              <a:rPr lang="en-GB" dirty="0" smtClean="0"/>
-              <a:t>prevents </a:t>
+              <a:t>echo = FALSE 		</a:t>
             </a:r>
             <a:r>
               <a:rPr lang="en-GB" dirty="0"/>
-              <a:t>messages that are generated by code from </a:t>
-            </a:r>
-            <a:r>
-              <a:rPr lang="en-GB" dirty="0" smtClean="0"/>
-              <a:t>						appearing </a:t>
-            </a:r>
-            <a:r>
-              <a:rPr lang="en-GB" dirty="0"/>
-              <a:t>in the finished file</a:t>
-            </a:r>
-            <a:r>
-              <a:rPr lang="en-GB" dirty="0" smtClean="0"/>
-              <a:t>.</a:t>
+              <a:t>prevents code, but not the results from appearing in the 						finished file. This is a useful way to embed figures.</a:t>
             </a:r>
           </a:p>
           <a:p>
@@ -7192,7 +6998,7 @@
               </a:spcBef>
               <a:buNone/>
             </a:pPr>
-            <a:endParaRPr lang="en-GB" dirty="0" smtClean="0">
+            <a:endParaRPr lang="en-GB" dirty="0">
               <a:latin typeface="Lucida Console" panose="020B0609040504020204" pitchFamily="49" charset="0"/>
             </a:endParaRPr>
           </a:p>
@@ -7204,42 +7010,14 @@
               <a:buNone/>
             </a:pPr>
             <a:r>
-              <a:rPr lang="en-GB" dirty="0" smtClean="0">
-                <a:latin typeface="Lucida Console" panose="020B0609040504020204" pitchFamily="49" charset="0"/>
-              </a:rPr>
-              <a:t>warning </a:t>
-            </a:r>
-            <a:r>
               <a:rPr lang="en-GB" dirty="0">
                 <a:latin typeface="Lucida Console" panose="020B0609040504020204" pitchFamily="49" charset="0"/>
               </a:rPr>
-              <a:t>= FALSE </a:t>
-            </a:r>
-            <a:r>
-              <a:rPr lang="en-GB" dirty="0" smtClean="0">
-                <a:latin typeface="Lucida Console" panose="020B0609040504020204" pitchFamily="49" charset="0"/>
-              </a:rPr>
-              <a:t>		</a:t>
-            </a:r>
-            <a:r>
-              <a:rPr lang="en-GB" dirty="0" smtClean="0"/>
-              <a:t>prevents </a:t>
+              <a:t>message = FALSE 		</a:t>
             </a:r>
             <a:r>
               <a:rPr lang="en-GB" dirty="0"/>
-              <a:t>warnings that are generated by code from </a:t>
-            </a:r>
-            <a:r>
-              <a:rPr lang="en-GB" dirty="0" smtClean="0"/>
-              <a:t>						appearing </a:t>
-            </a:r>
-            <a:r>
-              <a:rPr lang="en-GB" dirty="0"/>
-              <a:t>in the finished</a:t>
-            </a:r>
-            <a:r>
-              <a:rPr lang="en-GB" dirty="0" smtClean="0"/>
-              <a:t>.</a:t>
+              <a:t>prevents messages that are generated by code from 						appearing in the finished file.</a:t>
             </a:r>
           </a:p>
           <a:p>
@@ -7249,7 +7027,7 @@
               </a:spcBef>
               <a:buNone/>
             </a:pPr>
-            <a:endParaRPr lang="en-GB" dirty="0" smtClean="0">
+            <a:endParaRPr lang="en-GB" dirty="0">
               <a:latin typeface="Lucida Console" panose="020B0609040504020204" pitchFamily="49" charset="0"/>
             </a:endParaRPr>
           </a:p>
@@ -7261,36 +7039,49 @@
               <a:buNone/>
             </a:pPr>
             <a:r>
-              <a:rPr lang="en-GB" dirty="0" err="1" smtClean="0">
+              <a:rPr lang="en-GB" dirty="0">
+                <a:latin typeface="Lucida Console" panose="020B0609040504020204" pitchFamily="49" charset="0"/>
+              </a:rPr>
+              <a:t>warning = FALSE 		</a:t>
+            </a:r>
+            <a:r>
+              <a:rPr lang="en-GB" dirty="0"/>
+              <a:t>prevents warnings that are generated by code from 						appearing in the finished.</a:t>
+            </a:r>
+          </a:p>
+          <a:p>
+            <a:pPr marL="0" indent="0">
+              <a:spcBef>
+                <a:spcPts val="0"/>
+              </a:spcBef>
+              <a:buNone/>
+            </a:pPr>
+            <a:endParaRPr lang="en-GB" dirty="0">
+              <a:latin typeface="Lucida Console" panose="020B0609040504020204" pitchFamily="49" charset="0"/>
+            </a:endParaRPr>
+          </a:p>
+          <a:p>
+            <a:pPr marL="0" indent="0">
+              <a:spcBef>
+                <a:spcPts val="0"/>
+              </a:spcBef>
+              <a:buNone/>
+            </a:pPr>
+            <a:r>
+              <a:rPr lang="en-GB" dirty="0" err="1">
                 <a:latin typeface="Lucida Console" panose="020B0609040504020204" pitchFamily="49" charset="0"/>
               </a:rPr>
               <a:t>fig.cap</a:t>
             </a:r>
             <a:r>
-              <a:rPr lang="en-GB" dirty="0" smtClean="0">
-                <a:latin typeface="Lucida Console" panose="020B0609040504020204" pitchFamily="49" charset="0"/>
-              </a:rPr>
-              <a:t> </a:t>
-            </a:r>
-            <a:r>
               <a:rPr lang="en-GB" dirty="0">
                 <a:latin typeface="Lucida Console" panose="020B0609040504020204" pitchFamily="49" charset="0"/>
               </a:rPr>
-              <a:t>= </a:t>
-            </a:r>
-            <a:r>
-              <a:rPr lang="en-GB" dirty="0" smtClean="0">
-                <a:latin typeface="Lucida Console" panose="020B0609040504020204" pitchFamily="49" charset="0"/>
-              </a:rPr>
-              <a:t>"...“		</a:t>
-            </a:r>
-            <a:r>
-              <a:rPr lang="en-GB" dirty="0" smtClean="0"/>
-              <a:t>adds </a:t>
+              <a:t> = "...“		</a:t>
             </a:r>
             <a:r>
               <a:rPr lang="en-GB" dirty="0"/>
-              <a:t>a caption to graphical results.</a:t>
+              <a:t>adds a caption to graphical results.</a:t>
             </a:r>
           </a:p>
         </p:txBody>
@@ -7334,13 +7125,6 @@
   <p:clrMapOvr>
     <a:masterClrMapping/>
   </p:clrMapOvr>
-  <p:timing>
-    <p:tnLst>
-      <p:par>
-        <p:cTn id="1" dur="indefinite" restart="never" nodeType="tmRoot"/>
-      </p:par>
-    </p:tnLst>
-  </p:timing>
 </p:sld>
 </file>
 
@@ -7377,18 +7161,17 @@
           <a:lstStyle/>
           <a:p>
             <a:r>
-              <a:rPr lang="en-GB" dirty="0" smtClean="0"/>
+              <a:rPr lang="en-GB" dirty="0"/>
               <a:t>Other useful </a:t>
             </a:r>
             <a:r>
-              <a:rPr lang="en-GB" dirty="0" err="1" smtClean="0"/>
+              <a:rPr lang="en-GB" dirty="0" err="1"/>
               <a:t>cheatsheets</a:t>
             </a:r>
             <a:r>
-              <a:rPr lang="en-GB" dirty="0" smtClean="0"/>
+              <a:rPr lang="en-GB" dirty="0"/>
               <a:t> (e.g., ggplot2)</a:t>
             </a:r>
-            <a:endParaRPr lang="en-GB" dirty="0"/>
           </a:p>
         </p:txBody>
       </p:sp>
@@ -7425,15 +7208,9 @@
               <a:rPr lang="en-GB" sz="3200">
                 <a:hlinkClick r:id="rId2"/>
               </a:rPr>
-              <a:t>www.rstudio.com/resources/cheatsheets</a:t>
-            </a:r>
-            <a:r>
-              <a:rPr lang="en-GB" sz="3200" smtClean="0">
-                <a:hlinkClick r:id="rId2"/>
-              </a:rPr>
-              <a:t>/</a:t>
-            </a:r>
-            <a:endParaRPr lang="en-GB" sz="3200" smtClean="0"/>
+              <a:t>www.rstudio.com/resources/cheatsheets/</a:t>
+            </a:r>
+            <a:endParaRPr lang="en-GB" sz="3200"/>
           </a:p>
           <a:p>
             <a:pPr marL="0" indent="0" algn="ctr">
@@ -7513,13 +7290,6 @@
   <p:clrMapOvr>
     <a:masterClrMapping/>
   </p:clrMapOvr>
-  <p:timing>
-    <p:tnLst>
-      <p:par>
-        <p:cTn id="1" dur="indefinite" restart="never" nodeType="tmRoot"/>
-      </p:par>
-    </p:tnLst>
-  </p:timing>
 </p:sld>
 </file>
 
@@ -7569,10 +7339,9 @@
           <a:lstStyle/>
           <a:p>
             <a:r>
-              <a:rPr lang="en-GB" dirty="0" smtClean="0"/>
+              <a:rPr lang="en-GB" dirty="0"/>
               <a:t>How your report might look – basic structure</a:t>
             </a:r>
-            <a:endParaRPr lang="en-GB" dirty="0"/>
           </a:p>
         </p:txBody>
       </p:sp>
@@ -7629,7 +7398,7 @@
           <a:p>
             <a:pPr algn="ctr"/>
             <a:r>
-              <a:rPr lang="en-GB" sz="1600" dirty="0" smtClean="0">
+              <a:rPr lang="en-GB" sz="1600" dirty="0">
                 <a:solidFill>
                   <a:schemeClr val="tx2"/>
                 </a:solidFill>
@@ -7641,7 +7410,7 @@
           <a:p>
             <a:pPr algn="ctr"/>
             <a:r>
-              <a:rPr lang="en-GB" sz="1600" dirty="0" smtClean="0">
+              <a:rPr lang="en-GB" sz="1600" dirty="0">
                 <a:solidFill>
                   <a:schemeClr val="tx2"/>
                 </a:solidFill>
@@ -7653,7 +7422,7 @@
           <a:p>
             <a:pPr algn="ctr"/>
             <a:r>
-              <a:rPr lang="en-GB" sz="1600" dirty="0" smtClean="0">
+              <a:rPr lang="en-GB" sz="1600" dirty="0">
                 <a:solidFill>
                   <a:schemeClr val="tx2"/>
                 </a:solidFill>
@@ -7664,7 +7433,7 @@
           </a:p>
           <a:p>
             <a:pPr algn="ctr"/>
-            <a:endParaRPr lang="en-GB" sz="1600" dirty="0" smtClean="0">
+            <a:endParaRPr lang="en-GB" sz="1600" dirty="0">
               <a:solidFill>
                 <a:schemeClr val="tx2"/>
               </a:solidFill>
@@ -7728,7 +7497,7 @@
           <a:lstStyle/>
           <a:p>
             <a:r>
-              <a:rPr lang="en-GB" sz="2400" b="1" dirty="0" err="1" smtClean="0">
+              <a:rPr lang="en-GB" sz="2400" b="1" dirty="0" err="1">
                 <a:solidFill>
                   <a:schemeClr val="tx2"/>
                 </a:solidFill>
@@ -7817,13 +7586,6 @@
   <p:clrMapOvr>
     <a:masterClrMapping/>
   </p:clrMapOvr>
-  <p:timing>
-    <p:tnLst>
-      <p:par>
-        <p:cTn id="1" dur="indefinite" restart="never" nodeType="tmRoot"/>
-      </p:par>
-    </p:tnLst>
-  </p:timing>
 </p:sld>
 </file>
 
@@ -7860,10 +7622,9 @@
           <a:lstStyle/>
           <a:p>
             <a:r>
-              <a:rPr lang="en-GB" dirty="0" smtClean="0"/>
+              <a:rPr lang="en-GB" dirty="0"/>
               <a:t>FAQs</a:t>
             </a:r>
-            <a:endParaRPr lang="en-GB" dirty="0"/>
           </a:p>
         </p:txBody>
       </p:sp>
@@ -7889,15 +7650,9 @@
               <a:rPr lang="en-GB" sz="3200" dirty="0">
                 <a:hlinkClick r:id="rId2"/>
               </a:rPr>
-              <a:t>https://</a:t>
-            </a:r>
-            <a:r>
-              <a:rPr lang="en-GB" sz="3200" dirty="0" smtClean="0">
-                <a:hlinkClick r:id="rId2"/>
-              </a:rPr>
-              <a:t>chrisjberry.github.io/datafluencyCB/faqs.html</a:t>
-            </a:r>
-            <a:endParaRPr lang="en-GB" sz="3200" dirty="0" smtClean="0"/>
+              <a:t>https://chrisjberry.github.io/datafluencyCB/faqs.html</a:t>
+            </a:r>
+            <a:endParaRPr lang="en-GB" sz="3200" dirty="0"/>
           </a:p>
           <a:p>
             <a:pPr marL="0" indent="0">
@@ -7977,13 +7732,6 @@
   <p:clrMapOvr>
     <a:masterClrMapping/>
   </p:clrMapOvr>
-  <p:timing>
-    <p:tnLst>
-      <p:par>
-        <p:cTn id="1" dur="indefinite" restart="never" nodeType="tmRoot"/>
-      </p:par>
-    </p:tnLst>
-  </p:timing>
 </p:sld>
 </file>
 
@@ -8054,14 +7802,14 @@
           <a:lstStyle/>
           <a:p>
             <a:r>
-              <a:rPr lang="en-GB" altLang="en-US" sz="3200" dirty="0" smtClean="0">
+              <a:rPr lang="en-GB" altLang="en-US" sz="3200" dirty="0">
                 <a:solidFill>
                   <a:schemeClr val="tx1"/>
                 </a:solidFill>
               </a:rPr>
               <a:t>Importantly</a:t>
             </a:r>
-            <a:endParaRPr lang="en-GB" altLang="en-US" sz="3200" b="0" dirty="0" smtClean="0"/>
+            <a:endParaRPr lang="en-GB" altLang="en-US" sz="3200" b="0" dirty="0"/>
           </a:p>
         </p:txBody>
       </p:sp>
@@ -8444,7 +8192,7 @@
               <a:buNone/>
             </a:pPr>
             <a:r>
-              <a:rPr lang="en-GB" altLang="en-US" sz="3200" b="1" dirty="0" smtClean="0">
+              <a:rPr lang="en-GB" altLang="en-US" sz="3200" b="1" dirty="0">
                 <a:solidFill>
                   <a:schemeClr val="tx2"/>
                 </a:solidFill>
@@ -8950,7 +8698,7 @@
           <a:lstStyle/>
           <a:p>
             <a:r>
-              <a:rPr lang="en-GB" altLang="en-US" smtClean="0"/>
+              <a:rPr lang="en-GB" altLang="en-US"/>
               <a:t>R Markdown files</a:t>
             </a:r>
           </a:p>
@@ -8974,7 +8722,7 @@
             <a:pPr>
               <a:defRPr/>
             </a:pPr>
-            <a:endParaRPr lang="en-GB" dirty="0" smtClean="0"/>
+            <a:endParaRPr lang="en-GB" dirty="0"/>
           </a:p>
           <a:p>
             <a:pPr marL="0" indent="0">
@@ -9095,7 +8843,7 @@
               <a:defRPr/>
             </a:pPr>
             <a:r>
-              <a:rPr lang="en-GB" sz="2000" b="1" dirty="0" smtClean="0">
+              <a:rPr lang="en-GB" sz="2000" b="1" dirty="0">
                 <a:solidFill>
                   <a:schemeClr val="accent1">
                     <a:lumMod val="75000"/>
@@ -9105,14 +8853,6 @@
               </a:rPr>
               <a:t>html </a:t>
             </a:r>
-            <a:endParaRPr lang="en-GB" sz="2000" b="1" dirty="0">
-              <a:solidFill>
-                <a:schemeClr val="accent1">
-                  <a:lumMod val="75000"/>
-                </a:schemeClr>
-              </a:solidFill>
-              <a:latin typeface="+mj-lt"/>
-            </a:endParaRPr>
           </a:p>
           <a:p>
             <a:pPr>
@@ -9127,10 +8867,10 @@
                 </a:solidFill>
                 <a:latin typeface="+mj-lt"/>
               </a:rPr>
-              <a:t>as output </a:t>
-            </a:r>
-            <a:r>
-              <a:rPr lang="en-GB" sz="2000" b="1" dirty="0" smtClean="0">
+              <a:t>as output format</a:t>
+            </a:r>
+            <a:br>
+              <a:rPr lang="en-GB" sz="2000" b="1" dirty="0">
                 <a:solidFill>
                   <a:schemeClr val="accent1">
                     <a:lumMod val="75000"/>
@@ -9138,10 +8878,9 @@
                 </a:solidFill>
                 <a:latin typeface="+mj-lt"/>
               </a:rPr>
-              <a:t>format</a:t>
-            </a:r>
-            <a:br>
-              <a:rPr lang="en-GB" sz="2000" b="1" dirty="0" smtClean="0">
+            </a:br>
+            <a:r>
+              <a:rPr lang="en-GB" sz="2000" b="1" dirty="0">
                 <a:solidFill>
                   <a:schemeClr val="accent1">
                     <a:lumMod val="75000"/>
@@ -9149,26 +8888,8 @@
                 </a:solidFill>
                 <a:latin typeface="+mj-lt"/>
               </a:rPr>
-            </a:br>
-            <a:r>
-              <a:rPr lang="en-GB" sz="2000" b="1" dirty="0" smtClean="0">
-                <a:solidFill>
-                  <a:schemeClr val="accent1">
-                    <a:lumMod val="75000"/>
-                  </a:schemeClr>
-                </a:solidFill>
-                <a:latin typeface="+mj-lt"/>
-              </a:rPr>
               <a:t>(should be by default)</a:t>
             </a:r>
-            <a:endParaRPr lang="en-GB" sz="2000" b="1" dirty="0">
-              <a:solidFill>
-                <a:schemeClr val="accent1">
-                  <a:lumMod val="75000"/>
-                </a:schemeClr>
-              </a:solidFill>
-              <a:latin typeface="+mj-lt"/>
-            </a:endParaRPr>
           </a:p>
         </p:txBody>
       </p:sp>
@@ -9270,7 +8991,7 @@
               <a:defRPr/>
             </a:pPr>
             <a:r>
-              <a:rPr lang="en-GB" sz="2000" b="1" dirty="0" smtClean="0">
+              <a:rPr lang="en-GB" sz="2000" b="1" dirty="0">
                 <a:solidFill>
                   <a:schemeClr val="accent1">
                     <a:lumMod val="75000"/>
@@ -9280,14 +9001,6 @@
               </a:rPr>
               <a:t>SRN</a:t>
             </a:r>
-            <a:endParaRPr lang="en-GB" sz="2000" b="1" dirty="0">
-              <a:solidFill>
-                <a:schemeClr val="accent1">
-                  <a:lumMod val="75000"/>
-                </a:schemeClr>
-              </a:solidFill>
-              <a:latin typeface="+mj-lt"/>
-            </a:endParaRPr>
           </a:p>
         </p:txBody>
       </p:sp>
@@ -9703,15 +9416,15 @@
           <a:lstStyle/>
           <a:p>
             <a:r>
-              <a:rPr lang="en-GB" altLang="en-US" dirty="0" smtClean="0"/>
+              <a:rPr lang="en-GB" altLang="en-US" dirty="0"/>
               <a:t>An </a:t>
             </a:r>
             <a:r>
-              <a:rPr lang="en-GB" altLang="en-US" dirty="0" err="1" smtClean="0"/>
+              <a:rPr lang="en-GB" altLang="en-US" dirty="0" err="1"/>
               <a:t>Rmd</a:t>
             </a:r>
             <a:r>
-              <a:rPr lang="en-GB" altLang="en-US" dirty="0" smtClean="0"/>
+              <a:rPr lang="en-GB" altLang="en-US" dirty="0"/>
               <a:t> document (text generated by default)</a:t>
             </a:r>
           </a:p>
@@ -9735,7 +9448,7 @@
             <a:pPr>
               <a:defRPr/>
             </a:pPr>
-            <a:endParaRPr lang="en-GB" dirty="0" smtClean="0"/>
+            <a:endParaRPr lang="en-GB" dirty="0"/>
           </a:p>
           <a:p>
             <a:pPr marL="0" indent="0">
@@ -9811,13 +9524,6 @@
   <p:clrMapOvr>
     <a:masterClrMapping/>
   </p:clrMapOvr>
-  <p:timing>
-    <p:tnLst>
-      <p:par>
-        <p:cTn id="1" dur="indefinite" restart="never" nodeType="tmRoot"/>
-      </p:par>
-    </p:tnLst>
-  </p:timing>
 </p:sld>
 </file>
 
@@ -9890,15 +9596,15 @@
           <a:lstStyle/>
           <a:p>
             <a:r>
-              <a:rPr lang="en-GB" altLang="en-US" dirty="0" smtClean="0"/>
+              <a:rPr lang="en-GB" altLang="en-US" dirty="0"/>
               <a:t>Click ‘Knit’ to generate an html report from the </a:t>
             </a:r>
             <a:r>
-              <a:rPr lang="en-GB" altLang="en-US" dirty="0" err="1" smtClean="0"/>
+              <a:rPr lang="en-GB" altLang="en-US" dirty="0" err="1"/>
               <a:t>Rmd</a:t>
             </a:r>
             <a:r>
-              <a:rPr lang="en-GB" altLang="en-US" dirty="0" smtClean="0"/>
+              <a:rPr lang="en-GB" altLang="en-US" dirty="0"/>
               <a:t> document</a:t>
             </a:r>
           </a:p>
@@ -9927,7 +9633,7 @@
             <a:pPr>
               <a:defRPr/>
             </a:pPr>
-            <a:endParaRPr lang="en-GB" dirty="0" smtClean="0"/>
+            <a:endParaRPr lang="en-GB" dirty="0"/>
           </a:p>
           <a:p>
             <a:pPr marL="0" indent="0">
@@ -10091,7 +9797,7 @@
               <a:defRPr/>
             </a:pPr>
             <a:r>
-              <a:rPr lang="en-GB" sz="1800" dirty="0" smtClean="0">
+              <a:rPr lang="en-GB" sz="1800" dirty="0">
                 <a:solidFill>
                   <a:schemeClr val="accent1">
                     <a:lumMod val="50000"/>
@@ -10099,38 +9805,8 @@
                 </a:solidFill>
                 <a:latin typeface="+mj-lt"/>
               </a:rPr>
-              <a:t>Check </a:t>
-            </a:r>
-            <a:r>
-              <a:rPr lang="en-GB" sz="1800" dirty="0">
-                <a:solidFill>
-                  <a:schemeClr val="accent1">
-                    <a:lumMod val="50000"/>
-                  </a:schemeClr>
-                </a:solidFill>
-                <a:latin typeface="+mj-lt"/>
-              </a:rPr>
-              <a:t>your code very carefully </a:t>
-            </a:r>
-            <a:r>
-              <a:rPr lang="en-GB" sz="1800" dirty="0" smtClean="0">
-                <a:solidFill>
-                  <a:schemeClr val="accent1">
-                    <a:lumMod val="50000"/>
-                  </a:schemeClr>
-                </a:solidFill>
-                <a:latin typeface="+mj-lt"/>
-              </a:rPr>
-              <a:t>if you get an error</a:t>
-            </a:r>
-            <a:endParaRPr lang="en-GB" sz="1800" dirty="0">
-              <a:solidFill>
-                <a:schemeClr val="accent1">
-                  <a:lumMod val="50000"/>
-                </a:schemeClr>
-              </a:solidFill>
-              <a:latin typeface="+mj-lt"/>
-            </a:endParaRPr>
+              <a:t>Check your code very carefully if you get an error</a:t>
+            </a:r>
           </a:p>
         </p:txBody>
       </p:sp>
@@ -10408,7 +10084,7 @@
           <a:lstStyle/>
           <a:p>
             <a:r>
-              <a:rPr lang="en-GB" altLang="en-US" dirty="0" smtClean="0"/>
+              <a:rPr lang="en-GB" altLang="en-US" dirty="0"/>
               <a:t>The html report will appear in the ‘Files’ panel of R studio</a:t>
             </a:r>
           </a:p>
@@ -10437,7 +10113,7 @@
             <a:pPr>
               <a:defRPr/>
             </a:pPr>
-            <a:endParaRPr lang="en-GB" dirty="0" smtClean="0"/>
+            <a:endParaRPr lang="en-GB" dirty="0"/>
           </a:p>
           <a:p>
             <a:pPr marL="0" indent="0">
@@ -10636,27 +10312,8 @@
                 </a:solidFill>
                 <a:latin typeface="+mj-lt"/>
               </a:rPr>
-              <a:t>Click on the </a:t>
-            </a:r>
-            <a:r>
-              <a:rPr lang="en-GB" sz="2000" b="1" dirty="0" smtClean="0">
-                <a:solidFill>
-                  <a:schemeClr val="accent1">
-                    <a:lumMod val="75000"/>
-                  </a:schemeClr>
-                </a:solidFill>
-                <a:latin typeface="+mj-lt"/>
-              </a:rPr>
-              <a:t>html, select view in web browser</a:t>
-            </a:r>
-            <a:endParaRPr lang="en-GB" sz="2000" b="1" dirty="0">
-              <a:solidFill>
-                <a:schemeClr val="accent1">
-                  <a:lumMod val="75000"/>
-                </a:schemeClr>
-              </a:solidFill>
-              <a:latin typeface="+mj-lt"/>
-            </a:endParaRPr>
+              <a:t>Click on the html, select view in web browser</a:t>
+            </a:r>
           </a:p>
         </p:txBody>
       </p:sp>
@@ -10760,7 +10417,7 @@
               <a:defRPr/>
             </a:pPr>
             <a:r>
-              <a:rPr lang="en-GB" sz="2000" b="1" dirty="0" smtClean="0">
+              <a:rPr lang="en-GB" sz="2000" b="1" dirty="0">
                 <a:solidFill>
                   <a:schemeClr val="accent1">
                     <a:lumMod val="75000"/>
@@ -10768,8 +10425,13 @@
                 </a:solidFill>
                 <a:latin typeface="+mj-lt"/>
               </a:rPr>
-              <a:t>See </a:t>
-            </a:r>
+              <a:t>See how your html came out</a:t>
+            </a:r>
+          </a:p>
+          <a:p>
+            <a:pPr>
+              <a:defRPr/>
+            </a:pPr>
             <a:r>
               <a:rPr lang="en-GB" sz="2000" b="1" dirty="0">
                 <a:solidFill>
@@ -10779,37 +10441,10 @@
                 </a:solidFill>
                 <a:latin typeface="+mj-lt"/>
               </a:rPr>
-              <a:t>how your </a:t>
-            </a:r>
-            <a:r>
-              <a:rPr lang="en-GB" sz="2000" b="1" dirty="0" smtClean="0">
-                <a:solidFill>
-                  <a:schemeClr val="accent1">
-                    <a:lumMod val="75000"/>
-                  </a:schemeClr>
-                </a:solidFill>
-                <a:latin typeface="+mj-lt"/>
-              </a:rPr>
-              <a:t>html came out</a:t>
-            </a:r>
-          </a:p>
-          <a:p>
-            <a:pPr>
-              <a:defRPr/>
-            </a:pPr>
-            <a:r>
-              <a:rPr lang="en-GB" sz="2000" b="1" dirty="0" smtClean="0">
-                <a:solidFill>
-                  <a:schemeClr val="accent1">
-                    <a:lumMod val="75000"/>
-                  </a:schemeClr>
-                </a:solidFill>
-                <a:latin typeface="+mj-lt"/>
-              </a:rPr>
               <a:t>Edit the </a:t>
             </a:r>
             <a:r>
-              <a:rPr lang="en-GB" sz="2000" b="1" dirty="0" err="1" smtClean="0">
+              <a:rPr lang="en-GB" sz="2000" b="1" dirty="0" err="1">
                 <a:solidFill>
                   <a:schemeClr val="accent1">
                     <a:lumMod val="75000"/>
@@ -10833,7 +10468,7 @@
               <a:defRPr/>
             </a:pPr>
             <a:r>
-              <a:rPr lang="en-GB" sz="2000" b="1" dirty="0" smtClean="0">
+              <a:rPr lang="en-GB" sz="2000" b="1" dirty="0">
                 <a:solidFill>
                   <a:schemeClr val="accent1">
                     <a:lumMod val="75000"/>
@@ -10843,14 +10478,6 @@
               </a:rPr>
               <a:t>Repeat as required </a:t>
             </a:r>
-            <a:endParaRPr lang="en-GB" sz="2000" b="1" dirty="0">
-              <a:solidFill>
-                <a:schemeClr val="accent1">
-                  <a:lumMod val="75000"/>
-                </a:schemeClr>
-              </a:solidFill>
-              <a:latin typeface="+mj-lt"/>
-            </a:endParaRPr>
           </a:p>
         </p:txBody>
       </p:sp>
@@ -11169,38 +10796,38 @@
           <a:lstStyle/>
           <a:p>
             <a:r>
-              <a:rPr lang="en-GB" altLang="en-US" dirty="0" smtClean="0"/>
+              <a:rPr lang="en-GB" altLang="en-US" dirty="0"/>
               <a:t>To submit to the DLE:</a:t>
             </a:r>
             <a:br>
-              <a:rPr lang="en-GB" altLang="en-US" dirty="0" smtClean="0"/>
+              <a:rPr lang="en-GB" altLang="en-US" dirty="0"/>
             </a:br>
             <a:r>
-              <a:rPr lang="en-GB" altLang="en-US" dirty="0" smtClean="0"/>
+              <a:rPr lang="en-GB" altLang="en-US" dirty="0"/>
               <a:t>Export the html file AND </a:t>
             </a:r>
             <a:r>
-              <a:rPr lang="en-GB" altLang="en-US" dirty="0" err="1" smtClean="0"/>
+              <a:rPr lang="en-GB" altLang="en-US" dirty="0" err="1"/>
               <a:t>Rmd</a:t>
             </a:r>
             <a:r>
-              <a:rPr lang="en-GB" altLang="en-US" dirty="0" smtClean="0"/>
+              <a:rPr lang="en-GB" altLang="en-US" dirty="0"/>
               <a:t> file from </a:t>
             </a:r>
             <a:r>
-              <a:rPr lang="en-GB" altLang="en-US" dirty="0" err="1" smtClean="0"/>
+              <a:rPr lang="en-GB" altLang="en-US" dirty="0" err="1"/>
               <a:t>RStudio</a:t>
             </a:r>
             <a:r>
-              <a:rPr lang="en-GB" altLang="en-US" dirty="0" smtClean="0"/>
+              <a:rPr lang="en-GB" altLang="en-US" dirty="0"/>
               <a:t> to </a:t>
             </a:r>
             <a:r>
-              <a:rPr lang="en-GB" altLang="en-US" i="1" dirty="0" smtClean="0"/>
+              <a:rPr lang="en-GB" altLang="en-US" i="1" dirty="0"/>
               <a:t>your</a:t>
             </a:r>
             <a:r>
-              <a:rPr lang="en-GB" altLang="en-US" dirty="0" smtClean="0"/>
+              <a:rPr lang="en-GB" altLang="en-US" dirty="0"/>
               <a:t> PC first</a:t>
             </a:r>
           </a:p>
@@ -11634,7 +11261,7 @@
           </a:lstStyle>
           <a:p>
             <a:r>
-              <a:rPr lang="en-GB" altLang="en-US" dirty="0" smtClean="0"/>
+              <a:rPr lang="en-GB" altLang="en-US" dirty="0"/>
               <a:t>Once the files are on your hard drive, submit to the DLE with coversheet</a:t>
             </a:r>
           </a:p>
@@ -11711,7 +11338,7 @@
           <a:lstStyle/>
           <a:p>
             <a:r>
-              <a:rPr lang="en-GB" sz="2400" b="1" dirty="0" smtClean="0">
+              <a:rPr lang="en-GB" sz="2400" b="1" dirty="0">
                 <a:solidFill>
                   <a:srgbClr val="FF0000"/>
                 </a:solidFill>
@@ -11745,7 +11372,7 @@
           <a:lstStyle/>
           <a:p>
             <a:r>
-              <a:rPr lang="en-GB" sz="2400" b="1" dirty="0" smtClean="0">
+              <a:rPr lang="en-GB" sz="2400" b="1" dirty="0">
                 <a:solidFill>
                   <a:srgbClr val="FF0000"/>
                 </a:solidFill>
@@ -11779,7 +11406,7 @@
           <a:lstStyle/>
           <a:p>
             <a:r>
-              <a:rPr lang="en-GB" sz="2400" b="1" dirty="0" smtClean="0">
+              <a:rPr lang="en-GB" sz="2400" b="1" dirty="0">
                 <a:solidFill>
                   <a:srgbClr val="FF0000"/>
                 </a:solidFill>
@@ -12117,15 +11744,15 @@
           <a:lstStyle/>
           <a:p>
             <a:r>
-              <a:rPr lang="en-GB" altLang="en-US" dirty="0" smtClean="0"/>
+              <a:rPr lang="en-GB" altLang="en-US" dirty="0"/>
               <a:t>Tips on writing your </a:t>
             </a:r>
             <a:r>
-              <a:rPr lang="en-GB" altLang="en-US" dirty="0" err="1" smtClean="0"/>
+              <a:rPr lang="en-GB" altLang="en-US" dirty="0" err="1"/>
               <a:t>Rmd</a:t>
             </a:r>
             <a:r>
-              <a:rPr lang="en-GB" altLang="en-US" dirty="0" smtClean="0"/>
+              <a:rPr lang="en-GB" altLang="en-US" dirty="0"/>
               <a:t> file</a:t>
             </a:r>
           </a:p>
@@ -12314,7 +11941,7 @@
               <a:defRPr/>
             </a:pPr>
             <a:r>
-              <a:rPr lang="en-GB" sz="2400" dirty="0" smtClean="0">
+              <a:rPr lang="en-GB" sz="2400" dirty="0">
                 <a:solidFill>
                   <a:schemeClr val="tx1"/>
                 </a:solidFill>
@@ -12323,7 +11950,7 @@
               <a:t>R code is embedded in </a:t>
             </a:r>
             <a:r>
-              <a:rPr lang="en-GB" sz="2400" i="1" dirty="0" smtClean="0">
+              <a:rPr lang="en-GB" sz="2400" i="1" dirty="0">
                 <a:solidFill>
                   <a:schemeClr val="tx1"/>
                 </a:solidFill>
@@ -12337,7 +11964,7 @@
               <a:defRPr/>
             </a:pPr>
             <a:r>
-              <a:rPr lang="en-GB" sz="2400" dirty="0" smtClean="0">
+              <a:rPr lang="en-GB" sz="2400" dirty="0">
                 <a:solidFill>
                   <a:schemeClr val="tx1"/>
                 </a:solidFill>
@@ -12345,12 +11972,6 @@
               </a:rPr>
               <a:t>Use CTRL + Alt + I to create a new chunk.</a:t>
             </a:r>
-            <a:endParaRPr lang="en-GB" sz="2400" dirty="0">
-              <a:solidFill>
-                <a:schemeClr val="tx1"/>
-              </a:solidFill>
-              <a:latin typeface="+mj-lt"/>
-            </a:endParaRPr>
           </a:p>
         </p:txBody>
       </p:sp>
@@ -12379,22 +12000,13 @@
               <a:defRPr/>
             </a:pPr>
             <a:r>
-              <a:rPr lang="en-GB" sz="2400" dirty="0" smtClean="0">
+              <a:rPr lang="en-GB" sz="2400" dirty="0">
                 <a:solidFill>
                   <a:schemeClr val="tx1"/>
                 </a:solidFill>
                 <a:latin typeface="+mj-lt"/>
               </a:rPr>
-              <a:t>The </a:t>
-            </a:r>
-            <a:r>
-              <a:rPr lang="en-GB" sz="2400" dirty="0">
-                <a:solidFill>
-                  <a:schemeClr val="tx1"/>
-                </a:solidFill>
-                <a:latin typeface="+mj-lt"/>
-              </a:rPr>
-              <a:t>“</a:t>
+              <a:t>The “</a:t>
             </a:r>
             <a:r>
               <a:rPr lang="en-GB" sz="2400" dirty="0" err="1">
@@ -12682,34 +12294,7 @@
                 </a:solidFill>
                 <a:latin typeface="+mj-lt"/>
               </a:rPr>
-              <a:t>Load up packages </a:t>
-            </a:r>
-            <a:r>
-              <a:rPr lang="en-GB" sz="2400" b="1" dirty="0" smtClean="0">
-                <a:solidFill>
-                  <a:schemeClr val="tx1"/>
-                </a:solidFill>
-                <a:latin typeface="+mj-lt"/>
-              </a:rPr>
-              <a:t>in a chunk at </a:t>
-            </a:r>
-            <a:r>
-              <a:rPr lang="en-GB" sz="2400" b="1" dirty="0">
-                <a:solidFill>
-                  <a:schemeClr val="tx1"/>
-                </a:solidFill>
-                <a:latin typeface="+mj-lt"/>
-              </a:rPr>
-              <a:t>the start </a:t>
-            </a:r>
-            <a:r>
-              <a:rPr lang="en-GB" sz="2400" dirty="0">
-                <a:solidFill>
-                  <a:schemeClr val="tx1"/>
-                </a:solidFill>
-                <a:latin typeface="+mj-lt"/>
-              </a:rPr>
-              <a:t/>
+              <a:t>Load up packages in a chunk at the start </a:t>
             </a:r>
             <a:br>
               <a:rPr lang="en-GB" sz="2400" dirty="0">
@@ -12789,66 +12374,24 @@
               <a:defRPr/>
             </a:pPr>
             <a:r>
-              <a:rPr lang="en-GB" sz="2400" dirty="0" smtClean="0">
+              <a:rPr lang="en-GB" sz="2400" dirty="0">
                 <a:solidFill>
                   <a:schemeClr val="tx1"/>
                 </a:solidFill>
                 <a:latin typeface="+mj-lt"/>
                 <a:cs typeface="Courier New" panose="02070309020205020404" pitchFamily="49" charset="0"/>
               </a:rPr>
-              <a:t>means </a:t>
-            </a:r>
-            <a:r>
-              <a:rPr lang="en-GB" sz="2400" dirty="0">
+              <a:t>means the code (and associated output) won’t appear in </a:t>
+            </a:r>
+            <a:r>
+              <a:rPr lang="en-GB" sz="2400">
                 <a:solidFill>
                   <a:schemeClr val="tx1"/>
                 </a:solidFill>
                 <a:latin typeface="+mj-lt"/>
                 <a:cs typeface="Courier New" panose="02070309020205020404" pitchFamily="49" charset="0"/>
               </a:rPr>
-              <a:t>the code (and associated output) won’t appear in </a:t>
-            </a:r>
-            <a:r>
-              <a:rPr lang="en-GB" sz="2400">
-                <a:solidFill>
-                  <a:schemeClr val="tx1"/>
-                </a:solidFill>
-                <a:latin typeface="+mj-lt"/>
-                <a:cs typeface="Courier New" panose="02070309020205020404" pitchFamily="49" charset="0"/>
-              </a:rPr>
-              <a:t>the </a:t>
-            </a:r>
-            <a:r>
-              <a:rPr lang="en-GB" sz="2400" smtClean="0">
-                <a:solidFill>
-                  <a:schemeClr val="tx1"/>
-                </a:solidFill>
-                <a:latin typeface="+mj-lt"/>
-                <a:cs typeface="Courier New" panose="02070309020205020404" pitchFamily="49" charset="0"/>
-              </a:rPr>
-              <a:t>html</a:t>
-            </a:r>
-            <a:endParaRPr lang="en-GB" sz="2400" dirty="0" smtClean="0">
-              <a:solidFill>
-                <a:schemeClr val="tx1"/>
-              </a:solidFill>
-              <a:latin typeface="+mj-lt"/>
-              <a:cs typeface="Courier New" panose="02070309020205020404" pitchFamily="49" charset="0"/>
-            </a:endParaRPr>
-          </a:p>
-          <a:p>
-            <a:pPr>
-              <a:defRPr/>
-            </a:pPr>
-            <a:r>
-              <a:rPr lang="en-GB" sz="2400" dirty="0" smtClean="0">
-                <a:solidFill>
-                  <a:schemeClr val="tx1"/>
-                </a:solidFill>
-                <a:latin typeface="+mj-lt"/>
-                <a:cs typeface="Courier New" panose="02070309020205020404" pitchFamily="49" charset="0"/>
-              </a:rPr>
-              <a:t>Handy to hide unnecessary output in your report</a:t>
+              <a:t>the html</a:t>
             </a:r>
             <a:endParaRPr lang="en-GB" sz="2400" dirty="0">
               <a:solidFill>
@@ -12857,6 +12400,21 @@
               <a:latin typeface="+mj-lt"/>
               <a:cs typeface="Courier New" panose="02070309020205020404" pitchFamily="49" charset="0"/>
             </a:endParaRPr>
+          </a:p>
+          <a:p>
+            <a:pPr>
+              <a:defRPr/>
+            </a:pPr>
+            <a:r>
+              <a:rPr lang="en-GB" sz="2400" dirty="0">
+                <a:solidFill>
+                  <a:schemeClr val="tx1"/>
+                </a:solidFill>
+                <a:latin typeface="+mj-lt"/>
+                <a:cs typeface="Courier New" panose="02070309020205020404" pitchFamily="49" charset="0"/>
+              </a:rPr>
+              <a:t>Handy to hide unnecessary output in your report</a:t>
+            </a:r>
           </a:p>
         </p:txBody>
       </p:sp>
@@ -13062,10 +12620,10 @@
           </a:lstStyle>
           <a:p>
             <a:r>
-              <a:rPr lang="en-GB" altLang="en-US" smtClean="0"/>
+              <a:rPr lang="en-GB" altLang="en-US"/>
               <a:t>Tips on writing your Rmd file</a:t>
             </a:r>
-            <a:endParaRPr lang="en-GB" altLang="en-US" dirty="0" smtClean="0"/>
+            <a:endParaRPr lang="en-GB" altLang="en-US" dirty="0"/>
           </a:p>
         </p:txBody>
       </p:sp>
@@ -13409,7 +12967,7 @@
               <a:t>You can add </a:t>
             </a:r>
             <a:r>
-              <a:rPr lang="en-GB" sz="2400" i="1" dirty="0" smtClean="0">
+              <a:rPr lang="en-GB" sz="2400" i="1" dirty="0">
                 <a:solidFill>
                   <a:schemeClr val="tx1"/>
                 </a:solidFill>
@@ -13418,22 +12976,13 @@
               <a:t>comments</a:t>
             </a:r>
             <a:r>
-              <a:rPr lang="en-GB" sz="2400" dirty="0" smtClean="0">
+              <a:rPr lang="en-GB" sz="2400" dirty="0">
                 <a:solidFill>
                   <a:schemeClr val="tx1"/>
                 </a:solidFill>
                 <a:latin typeface="+mj-lt"/>
               </a:rPr>
-              <a:t> in chunks by </a:t>
-            </a:r>
-            <a:r>
-              <a:rPr lang="en-GB" sz="2400" dirty="0">
-                <a:solidFill>
-                  <a:schemeClr val="tx1"/>
-                </a:solidFill>
-                <a:latin typeface="+mj-lt"/>
-              </a:rPr>
-              <a:t>using </a:t>
+              <a:t> in chunks by using </a:t>
             </a:r>
             <a:r>
               <a:rPr lang="en-GB" sz="2400" b="1" dirty="0">
@@ -13500,15 +13049,15 @@
           <a:lstStyle/>
           <a:p>
             <a:r>
-              <a:rPr lang="en-GB" altLang="en-US" dirty="0" smtClean="0"/>
+              <a:rPr lang="en-GB" altLang="en-US" dirty="0"/>
               <a:t>Tips on writing your </a:t>
             </a:r>
             <a:r>
-              <a:rPr lang="en-GB" altLang="en-US" dirty="0" err="1" smtClean="0"/>
+              <a:rPr lang="en-GB" altLang="en-US" dirty="0" err="1"/>
               <a:t>Rmd</a:t>
             </a:r>
             <a:r>
-              <a:rPr lang="en-GB" altLang="en-US" dirty="0" smtClean="0"/>
+              <a:rPr lang="en-GB" altLang="en-US" dirty="0"/>
               <a:t> file</a:t>
             </a:r>
           </a:p>
@@ -13519,13 +13068,6 @@
   <p:clrMapOvr>
     <a:masterClrMapping/>
   </p:clrMapOvr>
-  <p:timing>
-    <p:tnLst>
-      <p:par>
-        <p:cTn id="1" dur="indefinite" restart="never" nodeType="tmRoot"/>
-      </p:par>
-    </p:tnLst>
-  </p:timing>
 </p:sld>
 </file>
 
@@ -14414,18 +13956,18 @@
 </file>
 
 <file path=customXml/item1.xml><?xml version="1.0" encoding="utf-8"?>
+<p:properties xmlns:p="http://schemas.microsoft.com/office/2006/metadata/properties" xmlns:xsi="http://www.w3.org/2001/XMLSchema-instance" xmlns:pc="http://schemas.microsoft.com/office/infopath/2007/PartnerControls">
+  <documentManagement/>
+</p:properties>
+</file>
+
+<file path=customXml/item2.xml><?xml version="1.0" encoding="utf-8"?>
 <?mso-contentType ?>
 <FormTemplates xmlns="http://schemas.microsoft.com/sharepoint/v3/contenttype/forms">
   <Display>DocumentLibraryForm</Display>
   <Edit>DocumentLibraryForm</Edit>
   <New>DocumentLibraryForm</New>
 </FormTemplates>
-</file>
-
-<file path=customXml/item2.xml><?xml version="1.0" encoding="utf-8"?>
-<p:properties xmlns:p="http://schemas.microsoft.com/office/2006/metadata/properties" xmlns:xsi="http://www.w3.org/2001/XMLSchema-instance" xmlns:pc="http://schemas.microsoft.com/office/infopath/2007/PartnerControls">
-  <documentManagement/>
-</p:properties>
 </file>
 
 <file path=customXml/item3.xml><?xml version="1.0" encoding="utf-8"?>
@@ -14652,14 +14194,6 @@
 </file>
 
 <file path=customXml/itemProps1.xml><?xml version="1.0" encoding="utf-8"?>
-<ds:datastoreItem xmlns:ds="http://schemas.openxmlformats.org/officeDocument/2006/customXml" ds:itemID="{B3072510-4ABE-43B1-80AA-AB159106D349}">
-  <ds:schemaRefs>
-    <ds:schemaRef ds:uri="http://schemas.microsoft.com/sharepoint/v3/contenttype/forms"/>
-  </ds:schemaRefs>
-</ds:datastoreItem>
-</file>
-
-<file path=customXml/itemProps2.xml><?xml version="1.0" encoding="utf-8"?>
 <ds:datastoreItem xmlns:ds="http://schemas.openxmlformats.org/officeDocument/2006/customXml" ds:itemID="{61E7B50A-EF57-437B-A02E-6D74C3625B9A}">
   <ds:schemaRefs>
     <ds:schemaRef ds:uri="http://purl.org/dc/elements/1.1/"/>
@@ -14672,6 +14206,14 @@
     <ds:schemaRef ds:uri="http://schemas.openxmlformats.org/package/2006/metadata/core-properties"/>
     <ds:schemaRef ds:uri="http://www.w3.org/XML/1998/namespace"/>
     <ds:schemaRef ds:uri="http://purl.org/dc/terms/"/>
+  </ds:schemaRefs>
+</ds:datastoreItem>
+</file>
+
+<file path=customXml/itemProps2.xml><?xml version="1.0" encoding="utf-8"?>
+<ds:datastoreItem xmlns:ds="http://schemas.openxmlformats.org/officeDocument/2006/customXml" ds:itemID="{B3072510-4ABE-43B1-80AA-AB159106D349}">
+  <ds:schemaRefs>
+    <ds:schemaRef ds:uri="http://schemas.microsoft.com/sharepoint/v3/contenttype/forms"/>
   </ds:schemaRefs>
 </ds:datastoreItem>
 </file>

--- a/docs/slides/PSYC753_Rmd_Support.pptx
+++ b/docs/slides/PSYC753_Rmd_Support.pptx
@@ -31,7 +31,7 @@
     <p:sldId id="515" r:id="rId22"/>
   </p:sldIdLst>
   <p:sldSz cx="12192000" cy="6858000"/>
-  <p:notesSz cx="7102475" cy="10233025"/>
+  <p:notesSz cx="6858000" cy="9945688"/>
   <p:defaultTextStyle>
     <a:defPPr>
       <a:defRPr lang="en-US"/>
@@ -174,12 +174,12 @@
     </p:ext>
     <p:ext uri="{2D200454-40CA-4A62-9FC3-DE9A4176ACB9}">
       <p15:notesGuideLst xmlns:p15="http://schemas.microsoft.com/office/powerpoint/2012/main">
-        <p15:guide id="1" orient="horz" pos="3223">
+        <p15:guide id="1" orient="horz" pos="3133" userDrawn="1">
           <p15:clr>
             <a:srgbClr val="A4A3A4"/>
           </p15:clr>
         </p15:guide>
-        <p15:guide id="2" pos="2238">
+        <p15:guide id="2" pos="2161" userDrawn="1">
           <p15:clr>
             <a:srgbClr val="A4A3A4"/>
           </p15:clr>
@@ -188,6 +188,14 @@
     </p:ext>
   </p:extLst>
 </p:presentation>
+</file>
+
+<file path=ppt/revisionInfo.xml><?xml version="1.0" encoding="utf-8"?>
+<p1510:revInfo xmlns:a="http://schemas.openxmlformats.org/drawingml/2006/main" xmlns:r="http://schemas.openxmlformats.org/officeDocument/2006/relationships" xmlns:p1510="http://schemas.microsoft.com/office/powerpoint/2015/10/main">
+  <p1510:revLst>
+    <p1510:client id="{F44573E6-E68C-487C-AAAD-BD91E2E78DA7}" v="56" dt="2023-02-04T17:57:24.840"/>
+  </p1510:revLst>
+</p1510:revInfo>
 </file>
 
 <file path=ppt/handoutMasters/handoutMaster1.xml><?xml version="1.0" encoding="utf-8"?>
@@ -228,7 +236,7 @@
         <p:spPr bwMode="auto">
           <a:xfrm>
             <a:off x="0" y="0"/>
-            <a:ext cx="3076575" cy="511175"/>
+            <a:ext cx="2970676" cy="496822"/>
           </a:xfrm>
           <a:prstGeom prst="rect">
             <a:avLst/>
@@ -243,13 +251,13 @@
           <a:effectLst/>
         </p:spPr>
         <p:txBody>
-          <a:bodyPr vert="horz" wrap="square" lIns="91559" tIns="45780" rIns="91559" bIns="45780" numCol="1" anchor="t" anchorCtr="0" compatLnSpc="1">
+          <a:bodyPr vert="horz" wrap="square" lIns="88748" tIns="44375" rIns="88748" bIns="44375" numCol="1" anchor="t" anchorCtr="0" compatLnSpc="1">
             <a:prstTxWarp prst="textNoShape">
               <a:avLst/>
             </a:prstTxWarp>
           </a:bodyPr>
           <a:lstStyle>
-            <a:lvl1pPr algn="l" defTabSz="915904">
+            <a:lvl1pPr algn="l" defTabSz="887786">
               <a:defRPr sz="1100">
                 <a:solidFill>
                   <a:schemeClr val="tx1"/>
@@ -277,8 +285,8 @@
         </p:nvSpPr>
         <p:spPr bwMode="auto">
           <a:xfrm>
-            <a:off x="4025900" y="0"/>
-            <a:ext cx="3076575" cy="511175"/>
+            <a:off x="3887325" y="0"/>
+            <a:ext cx="2970676" cy="496822"/>
           </a:xfrm>
           <a:prstGeom prst="rect">
             <a:avLst/>
@@ -293,13 +301,13 @@
           <a:effectLst/>
         </p:spPr>
         <p:txBody>
-          <a:bodyPr vert="horz" wrap="square" lIns="91559" tIns="45780" rIns="91559" bIns="45780" numCol="1" anchor="t" anchorCtr="0" compatLnSpc="1">
+          <a:bodyPr vert="horz" wrap="square" lIns="88748" tIns="44375" rIns="88748" bIns="44375" numCol="1" anchor="t" anchorCtr="0" compatLnSpc="1">
             <a:prstTxWarp prst="textNoShape">
               <a:avLst/>
             </a:prstTxWarp>
           </a:bodyPr>
           <a:lstStyle>
-            <a:lvl1pPr algn="r" defTabSz="915904">
+            <a:lvl1pPr algn="r" defTabSz="887786">
               <a:defRPr sz="1100">
                 <a:solidFill>
                   <a:schemeClr val="tx1"/>
@@ -327,8 +335,8 @@
         </p:nvSpPr>
         <p:spPr bwMode="auto">
           <a:xfrm>
-            <a:off x="0" y="9721850"/>
-            <a:ext cx="3076575" cy="511175"/>
+            <a:off x="0" y="9448867"/>
+            <a:ext cx="2970676" cy="496822"/>
           </a:xfrm>
           <a:prstGeom prst="rect">
             <a:avLst/>
@@ -343,13 +351,13 @@
           <a:effectLst/>
         </p:spPr>
         <p:txBody>
-          <a:bodyPr vert="horz" wrap="square" lIns="91559" tIns="45780" rIns="91559" bIns="45780" numCol="1" anchor="b" anchorCtr="0" compatLnSpc="1">
+          <a:bodyPr vert="horz" wrap="square" lIns="88748" tIns="44375" rIns="88748" bIns="44375" numCol="1" anchor="b" anchorCtr="0" compatLnSpc="1">
             <a:prstTxWarp prst="textNoShape">
               <a:avLst/>
             </a:prstTxWarp>
           </a:bodyPr>
           <a:lstStyle>
-            <a:lvl1pPr algn="l" defTabSz="915904">
+            <a:lvl1pPr algn="l" defTabSz="887786">
               <a:defRPr sz="1100">
                 <a:solidFill>
                   <a:schemeClr val="tx1"/>
@@ -377,8 +385,8 @@
         </p:nvSpPr>
         <p:spPr bwMode="auto">
           <a:xfrm>
-            <a:off x="4025900" y="9721850"/>
-            <a:ext cx="3076575" cy="511175"/>
+            <a:off x="3887325" y="9448867"/>
+            <a:ext cx="2970676" cy="496822"/>
           </a:xfrm>
           <a:prstGeom prst="rect">
             <a:avLst/>
@@ -393,7 +401,7 @@
           <a:effectLst/>
         </p:spPr>
         <p:txBody>
-          <a:bodyPr vert="horz" wrap="square" lIns="91559" tIns="45780" rIns="91559" bIns="45780" numCol="1" anchor="b" anchorCtr="0" compatLnSpc="1">
+          <a:bodyPr vert="horz" wrap="square" lIns="88748" tIns="44375" rIns="88748" bIns="44375" numCol="1" anchor="b" anchorCtr="0" compatLnSpc="1">
             <a:prstTxWarp prst="textNoShape">
               <a:avLst/>
             </a:prstTxWarp>
@@ -470,15 +478,15 @@
         </p:nvSpPr>
         <p:spPr>
           <a:xfrm>
-            <a:off x="0" y="0"/>
-            <a:ext cx="3078163" cy="511175"/>
+            <a:off x="1" y="0"/>
+            <a:ext cx="2972209" cy="496822"/>
           </a:xfrm>
           <a:prstGeom prst="rect">
             <a:avLst/>
           </a:prstGeom>
         </p:spPr>
         <p:txBody>
-          <a:bodyPr vert="horz" lIns="91432" tIns="45715" rIns="91432" bIns="45715" rtlCol="0"/>
+          <a:bodyPr vert="horz" lIns="88625" tIns="44312" rIns="88625" bIns="44312" rtlCol="0"/>
           <a:lstStyle>
             <a:lvl1pPr algn="l">
               <a:defRPr sz="1100"/>
@@ -504,15 +512,15 @@
         </p:nvSpPr>
         <p:spPr>
           <a:xfrm>
-            <a:off x="4022725" y="0"/>
-            <a:ext cx="3078163" cy="511175"/>
+            <a:off x="3884259" y="0"/>
+            <a:ext cx="2972209" cy="496822"/>
           </a:xfrm>
           <a:prstGeom prst="rect">
             <a:avLst/>
           </a:prstGeom>
         </p:spPr>
         <p:txBody>
-          <a:bodyPr vert="horz" lIns="91432" tIns="45715" rIns="91432" bIns="45715" rtlCol="0"/>
+          <a:bodyPr vert="horz" lIns="88625" tIns="44312" rIns="88625" bIns="44312" rtlCol="0"/>
           <a:lstStyle>
             <a:lvl1pPr algn="r">
               <a:defRPr sz="1100"/>
@@ -527,7 +535,7 @@
               <a:pPr>
                 <a:defRPr/>
               </a:pPr>
-              <a:t>21/12/2022</a:t>
+              <a:t>04/02/2023</a:t>
             </a:fld>
             <a:endParaRPr lang="en-GB"/>
           </a:p>
@@ -545,8 +553,8 @@
         </p:nvSpPr>
         <p:spPr>
           <a:xfrm>
-            <a:off x="139700" y="766763"/>
-            <a:ext cx="6823075" cy="3838575"/>
+            <a:off x="112713" y="744538"/>
+            <a:ext cx="6632575" cy="3732212"/>
           </a:xfrm>
           <a:prstGeom prst="rect">
             <a:avLst/>
@@ -559,7 +567,7 @@
           </a:ln>
         </p:spPr>
         <p:txBody>
-          <a:bodyPr vert="horz" lIns="91432" tIns="45715" rIns="91432" bIns="45715" rtlCol="0" anchor="ctr"/>
+          <a:bodyPr vert="horz" lIns="88625" tIns="44312" rIns="88625" bIns="44312" rtlCol="0" anchor="ctr"/>
           <a:lstStyle/>
           <a:p>
             <a:pPr lvl="0"/>
@@ -579,15 +587,15 @@
         </p:nvSpPr>
         <p:spPr>
           <a:xfrm>
-            <a:off x="709613" y="4860925"/>
-            <a:ext cx="5683250" cy="4605338"/>
+            <a:off x="685187" y="4724433"/>
+            <a:ext cx="5487626" cy="4476023"/>
           </a:xfrm>
           <a:prstGeom prst="rect">
             <a:avLst/>
           </a:prstGeom>
         </p:spPr>
         <p:txBody>
-          <a:bodyPr vert="horz" lIns="91432" tIns="45715" rIns="91432" bIns="45715" rtlCol="0">
+          <a:bodyPr vert="horz" lIns="88625" tIns="44312" rIns="88625" bIns="44312" rtlCol="0">
             <a:normAutofit/>
           </a:bodyPr>
           <a:lstStyle/>
@@ -641,15 +649,15 @@
         </p:nvSpPr>
         <p:spPr>
           <a:xfrm>
-            <a:off x="0" y="9720263"/>
-            <a:ext cx="3078163" cy="511175"/>
+            <a:off x="1" y="9447324"/>
+            <a:ext cx="2972209" cy="496822"/>
           </a:xfrm>
           <a:prstGeom prst="rect">
             <a:avLst/>
           </a:prstGeom>
         </p:spPr>
         <p:txBody>
-          <a:bodyPr vert="horz" lIns="91432" tIns="45715" rIns="91432" bIns="45715" rtlCol="0" anchor="b"/>
+          <a:bodyPr vert="horz" lIns="88625" tIns="44312" rIns="88625" bIns="44312" rtlCol="0" anchor="b"/>
           <a:lstStyle>
             <a:lvl1pPr algn="l">
               <a:defRPr sz="1100"/>
@@ -675,15 +683,15 @@
         </p:nvSpPr>
         <p:spPr>
           <a:xfrm>
-            <a:off x="4022725" y="9720263"/>
-            <a:ext cx="3078163" cy="511175"/>
+            <a:off x="3884259" y="9447324"/>
+            <a:ext cx="2972209" cy="496822"/>
           </a:xfrm>
           <a:prstGeom prst="rect">
             <a:avLst/>
           </a:prstGeom>
         </p:spPr>
         <p:txBody>
-          <a:bodyPr vert="horz" wrap="square" lIns="91432" tIns="45715" rIns="91432" bIns="45715" numCol="1" anchor="b" anchorCtr="0" compatLnSpc="1">
+          <a:bodyPr vert="horz" wrap="square" lIns="88625" tIns="44312" rIns="88625" bIns="44312" numCol="1" anchor="b" anchorCtr="0" compatLnSpc="1">
             <a:prstTxWarp prst="textNoShape">
               <a:avLst/>
             </a:prstTxWarp>
@@ -1022,7 +1030,7 @@
             </a:pPr>
             <a:fld id="{6268AE2B-ECF0-4072-8601-7E29B00449D7}" type="datetime1">
               <a:rPr lang="en-US" smtClean="0"/>
-              <a:t>12/21/2022</a:t>
+              <a:t>2/4/2023</a:t>
             </a:fld>
             <a:endParaRPr lang="en-US"/>
           </a:p>
@@ -1214,7 +1222,7 @@
             </a:pPr>
             <a:fld id="{ED00F8F6-53B3-42AE-829D-21D7D54CF6BD}" type="datetime1">
               <a:rPr lang="en-US" smtClean="0"/>
-              <a:t>12/21/2022</a:t>
+              <a:t>2/4/2023</a:t>
             </a:fld>
             <a:endParaRPr lang="en-US"/>
           </a:p>
@@ -1416,7 +1424,7 @@
             </a:pPr>
             <a:fld id="{6ECE19B0-9CE1-4A0E-A22D-E01F28C71D01}" type="datetime1">
               <a:rPr lang="en-US" smtClean="0"/>
-              <a:t>12/21/2022</a:t>
+              <a:t>2/4/2023</a:t>
             </a:fld>
             <a:endParaRPr lang="en-US"/>
           </a:p>
@@ -1608,7 +1616,7 @@
             </a:pPr>
             <a:fld id="{6581382E-B55B-49C9-92A2-AE919AA3C288}" type="datetime1">
               <a:rPr lang="en-US" smtClean="0"/>
-              <a:t>12/21/2022</a:t>
+              <a:t>2/4/2023</a:t>
             </a:fld>
             <a:endParaRPr lang="en-US"/>
           </a:p>
@@ -1877,7 +1885,7 @@
             </a:pPr>
             <a:fld id="{AF60D65C-9047-40E1-8646-09522FD99458}" type="datetime1">
               <a:rPr lang="en-US" smtClean="0"/>
-              <a:t>12/21/2022</a:t>
+              <a:t>2/4/2023</a:t>
             </a:fld>
             <a:endParaRPr lang="en-US"/>
           </a:p>
@@ -2186,7 +2194,7 @@
             </a:pPr>
             <a:fld id="{0FC2AC8D-2DE8-482E-A220-B592FB00498C}" type="datetime1">
               <a:rPr lang="en-US" smtClean="0"/>
-              <a:t>12/21/2022</a:t>
+              <a:t>2/4/2023</a:t>
             </a:fld>
             <a:endParaRPr lang="en-US"/>
           </a:p>
@@ -2629,7 +2637,7 @@
             </a:pPr>
             <a:fld id="{51D7EBD7-8C49-41D2-8069-61FFFCED6E6A}" type="datetime1">
               <a:rPr lang="en-US" smtClean="0"/>
-              <a:t>12/21/2022</a:t>
+              <a:t>2/4/2023</a:t>
             </a:fld>
             <a:endParaRPr lang="en-US"/>
           </a:p>
@@ -2770,7 +2778,7 @@
             </a:pPr>
             <a:fld id="{0E5FF57A-6776-46C9-A679-AAC6EBC344C6}" type="datetime1">
               <a:rPr lang="en-US" smtClean="0"/>
-              <a:t>12/21/2022</a:t>
+              <a:t>2/4/2023</a:t>
             </a:fld>
             <a:endParaRPr lang="en-US"/>
           </a:p>
@@ -2889,7 +2897,7 @@
             </a:pPr>
             <a:fld id="{4BC06737-7E8E-458F-ADB4-3371CC83C825}" type="datetime1">
               <a:rPr lang="en-US" smtClean="0"/>
-              <a:t>12/21/2022</a:t>
+              <a:t>2/4/2023</a:t>
             </a:fld>
             <a:endParaRPr lang="en-US"/>
           </a:p>
@@ -3188,7 +3196,7 @@
             </a:pPr>
             <a:fld id="{3F7F52C8-7BDB-4CCF-8FDC-E811525F152F}" type="datetime1">
               <a:rPr lang="en-US" smtClean="0"/>
-              <a:t>12/21/2022</a:t>
+              <a:t>2/4/2023</a:t>
             </a:fld>
             <a:endParaRPr lang="en-US"/>
           </a:p>
@@ -3467,7 +3475,7 @@
             </a:pPr>
             <a:fld id="{C32E4405-A394-4682-9451-194CA4F70646}" type="datetime1">
               <a:rPr lang="en-US" smtClean="0"/>
-              <a:t>12/21/2022</a:t>
+              <a:t>2/4/2023</a:t>
             </a:fld>
             <a:endParaRPr lang="en-US"/>
           </a:p>
@@ -3754,7 +3762,7 @@
             </a:pPr>
             <a:fld id="{D0EE670A-C192-4868-88AA-127F9F3CDE67}" type="datetime1">
               <a:rPr lang="en-US" smtClean="0"/>
-              <a:t>12/21/2022</a:t>
+              <a:t>2/4/2023</a:t>
             </a:fld>
             <a:endParaRPr lang="en-US"/>
           </a:p>
@@ -6395,7 +6403,7 @@
         </p:nvSpPr>
         <p:spPr bwMode="auto">
           <a:xfrm>
-            <a:off x="2705408" y="5176862"/>
+            <a:off x="2691340" y="4948467"/>
             <a:ext cx="2581156" cy="461665"/>
           </a:xfrm>
           <a:prstGeom prst="rect">
@@ -6549,7 +6557,7 @@
         </p:nvSpPr>
         <p:spPr>
           <a:xfrm>
-            <a:off x="6879130" y="5042722"/>
+            <a:off x="6865062" y="4814327"/>
             <a:ext cx="1636987" cy="584775"/>
           </a:xfrm>
           <a:prstGeom prst="rect">
@@ -6620,6 +6628,238 @@
           </a:prstGeom>
         </p:spPr>
       </p:pic>
+      <p:sp>
+        <p:nvSpPr>
+          <p:cNvPr id="10" name="TextBox 9">
+            <a:extLst>
+              <a:ext uri="{FF2B5EF4-FFF2-40B4-BE49-F238E27FC236}">
+                <a16:creationId xmlns:a16="http://schemas.microsoft.com/office/drawing/2014/main" id="{3EE688A4-4FB1-4764-81F0-631077706A42}"/>
+              </a:ext>
+            </a:extLst>
+          </p:cNvPr>
+          <p:cNvSpPr txBox="1">
+            <a:spLocks noChangeArrowheads="1"/>
+          </p:cNvSpPr>
+          <p:nvPr/>
+        </p:nvSpPr>
+        <p:spPr bwMode="auto">
+          <a:xfrm>
+            <a:off x="2691340" y="5632137"/>
+            <a:ext cx="3570208" cy="400110"/>
+          </a:xfrm>
+          <a:prstGeom prst="rect">
+            <a:avLst/>
+          </a:prstGeom>
+          <a:noFill/>
+          <a:ln>
+            <a:noFill/>
+          </a:ln>
+          <a:extLst>
+            <a:ext uri="{909E8E84-426E-40DD-AFC4-6F175D3DCCD1}">
+              <a14:hiddenFill xmlns:a14="http://schemas.microsoft.com/office/drawing/2010/main">
+                <a:solidFill>
+                  <a:srgbClr val="FFFFFF"/>
+                </a:solidFill>
+              </a14:hiddenFill>
+            </a:ext>
+            <a:ext uri="{91240B29-F687-4F45-9708-019B960494DF}">
+              <a14:hiddenLine xmlns:a14="http://schemas.microsoft.com/office/drawing/2010/main" w="9525">
+                <a:solidFill>
+                  <a:srgbClr val="000000"/>
+                </a:solidFill>
+                <a:miter lim="800000"/>
+                <a:headEnd/>
+                <a:tailEnd/>
+              </a14:hiddenLine>
+            </a:ext>
+          </a:extLst>
+        </p:spPr>
+        <p:txBody>
+          <a:bodyPr wrap="none">
+            <a:spAutoFit/>
+          </a:bodyPr>
+          <a:lstStyle>
+            <a:lvl1pPr>
+              <a:defRPr sz="3200">
+                <a:solidFill>
+                  <a:schemeClr val="accent2"/>
+                </a:solidFill>
+                <a:latin typeface="Times New Roman" panose="02020603050405020304" pitchFamily="18" charset="0"/>
+              </a:defRPr>
+            </a:lvl1pPr>
+            <a:lvl2pPr marL="742950" indent="-285750">
+              <a:defRPr sz="3200">
+                <a:solidFill>
+                  <a:schemeClr val="accent2"/>
+                </a:solidFill>
+                <a:latin typeface="Times New Roman" panose="02020603050405020304" pitchFamily="18" charset="0"/>
+              </a:defRPr>
+            </a:lvl2pPr>
+            <a:lvl3pPr marL="1143000" indent="-228600">
+              <a:defRPr sz="3200">
+                <a:solidFill>
+                  <a:schemeClr val="accent2"/>
+                </a:solidFill>
+                <a:latin typeface="Times New Roman" panose="02020603050405020304" pitchFamily="18" charset="0"/>
+              </a:defRPr>
+            </a:lvl3pPr>
+            <a:lvl4pPr marL="1600200" indent="-228600">
+              <a:defRPr sz="3200">
+                <a:solidFill>
+                  <a:schemeClr val="accent2"/>
+                </a:solidFill>
+                <a:latin typeface="Times New Roman" panose="02020603050405020304" pitchFamily="18" charset="0"/>
+              </a:defRPr>
+            </a:lvl4pPr>
+            <a:lvl5pPr marL="2057400" indent="-228600">
+              <a:defRPr sz="3200">
+                <a:solidFill>
+                  <a:schemeClr val="accent2"/>
+                </a:solidFill>
+                <a:latin typeface="Times New Roman" panose="02020603050405020304" pitchFamily="18" charset="0"/>
+              </a:defRPr>
+            </a:lvl5pPr>
+            <a:lvl6pPr marL="2514600" indent="-228600" eaLnBrk="0" fontAlgn="base" hangingPunct="0">
+              <a:spcBef>
+                <a:spcPct val="0"/>
+              </a:spcBef>
+              <a:spcAft>
+                <a:spcPct val="0"/>
+              </a:spcAft>
+              <a:defRPr sz="3200">
+                <a:solidFill>
+                  <a:schemeClr val="accent2"/>
+                </a:solidFill>
+                <a:latin typeface="Times New Roman" panose="02020603050405020304" pitchFamily="18" charset="0"/>
+              </a:defRPr>
+            </a:lvl6pPr>
+            <a:lvl7pPr marL="2971800" indent="-228600" eaLnBrk="0" fontAlgn="base" hangingPunct="0">
+              <a:spcBef>
+                <a:spcPct val="0"/>
+              </a:spcBef>
+              <a:spcAft>
+                <a:spcPct val="0"/>
+              </a:spcAft>
+              <a:defRPr sz="3200">
+                <a:solidFill>
+                  <a:schemeClr val="accent2"/>
+                </a:solidFill>
+                <a:latin typeface="Times New Roman" panose="02020603050405020304" pitchFamily="18" charset="0"/>
+              </a:defRPr>
+            </a:lvl7pPr>
+            <a:lvl8pPr marL="3429000" indent="-228600" eaLnBrk="0" fontAlgn="base" hangingPunct="0">
+              <a:spcBef>
+                <a:spcPct val="0"/>
+              </a:spcBef>
+              <a:spcAft>
+                <a:spcPct val="0"/>
+              </a:spcAft>
+              <a:defRPr sz="3200">
+                <a:solidFill>
+                  <a:schemeClr val="accent2"/>
+                </a:solidFill>
+                <a:latin typeface="Times New Roman" panose="02020603050405020304" pitchFamily="18" charset="0"/>
+              </a:defRPr>
+            </a:lvl8pPr>
+            <a:lvl9pPr marL="3886200" indent="-228600" eaLnBrk="0" fontAlgn="base" hangingPunct="0">
+              <a:spcBef>
+                <a:spcPct val="0"/>
+              </a:spcBef>
+              <a:spcAft>
+                <a:spcPct val="0"/>
+              </a:spcAft>
+              <a:defRPr sz="3200">
+                <a:solidFill>
+                  <a:schemeClr val="accent2"/>
+                </a:solidFill>
+                <a:latin typeface="Times New Roman" panose="02020603050405020304" pitchFamily="18" charset="0"/>
+              </a:defRPr>
+            </a:lvl9pPr>
+          </a:lstStyle>
+          <a:p>
+            <a:r>
+              <a:rPr lang="en-GB" altLang="en-US" sz="2000" dirty="0">
+                <a:solidFill>
+                  <a:schemeClr val="tx1"/>
+                </a:solidFill>
+                <a:latin typeface="Courier New" panose="02070309020205020404" pitchFamily="49" charset="0"/>
+                <a:cs typeface="Courier New" panose="02070309020205020404" pitchFamily="49" charset="0"/>
+              </a:rPr>
+              <a:t>BF~10~ = 1.34 x 10^12^</a:t>
+            </a:r>
+          </a:p>
+        </p:txBody>
+      </p:sp>
+      <p:sp>
+        <p:nvSpPr>
+          <p:cNvPr id="12" name="TextBox 11">
+            <a:extLst>
+              <a:ext uri="{FF2B5EF4-FFF2-40B4-BE49-F238E27FC236}">
+                <a16:creationId xmlns:a16="http://schemas.microsoft.com/office/drawing/2014/main" id="{C6C8C0C7-678E-4504-A79B-1F4A57DC8484}"/>
+              </a:ext>
+            </a:extLst>
+          </p:cNvPr>
+          <p:cNvSpPr txBox="1"/>
+          <p:nvPr/>
+        </p:nvSpPr>
+        <p:spPr>
+          <a:xfrm>
+            <a:off x="6865061" y="5497997"/>
+            <a:ext cx="3151135" cy="584775"/>
+          </a:xfrm>
+          <a:prstGeom prst="rect">
+            <a:avLst/>
+          </a:prstGeom>
+          <a:noFill/>
+        </p:spPr>
+        <p:txBody>
+          <a:bodyPr wrap="square">
+            <a:spAutoFit/>
+          </a:bodyPr>
+          <a:lstStyle/>
+          <a:p>
+            <a:pPr>
+              <a:defRPr/>
+            </a:pPr>
+            <a:r>
+              <a:rPr lang="en-GB" dirty="0">
+                <a:solidFill>
+                  <a:schemeClr val="tx1"/>
+                </a:solidFill>
+                <a:latin typeface="+mj-lt"/>
+              </a:rPr>
+              <a:t>BF</a:t>
+            </a:r>
+            <a:r>
+              <a:rPr lang="en-GB" baseline="-25000" dirty="0">
+                <a:solidFill>
+                  <a:schemeClr val="tx1"/>
+                </a:solidFill>
+                <a:latin typeface="+mj-lt"/>
+              </a:rPr>
+              <a:t>10 </a:t>
+            </a:r>
+            <a:r>
+              <a:rPr lang="en-GB" dirty="0">
+                <a:solidFill>
+                  <a:schemeClr val="tx1"/>
+                </a:solidFill>
+                <a:latin typeface="+mj-lt"/>
+              </a:rPr>
+              <a:t>= 1.34 x 10</a:t>
+            </a:r>
+            <a:r>
+              <a:rPr lang="en-GB" baseline="30000" dirty="0">
+                <a:solidFill>
+                  <a:schemeClr val="tx1"/>
+                </a:solidFill>
+                <a:latin typeface="+mj-lt"/>
+              </a:rPr>
+              <a:t>12</a:t>
+            </a:r>
+          </a:p>
+        </p:txBody>
+      </p:sp>
     </p:spTree>
   </p:cSld>
   <p:clrMapOvr>
@@ -6845,6 +7085,112 @@
                       </p:childTnLst>
                     </p:cTn>
                   </p:par>
+                  <p:par>
+                    <p:cTn id="23" fill="hold">
+                      <p:stCondLst>
+                        <p:cond delay="indefinite"/>
+                      </p:stCondLst>
+                      <p:childTnLst>
+                        <p:par>
+                          <p:cTn id="24" fill="hold">
+                            <p:stCondLst>
+                              <p:cond delay="0"/>
+                            </p:stCondLst>
+                            <p:childTnLst>
+                              <p:par>
+                                <p:cTn id="25" presetID="10" presetClass="entr" presetSubtype="0" fill="hold" grpId="0" nodeType="clickEffect">
+                                  <p:stCondLst>
+                                    <p:cond delay="0"/>
+                                  </p:stCondLst>
+                                  <p:childTnLst>
+                                    <p:set>
+                                      <p:cBhvr>
+                                        <p:cTn id="26" dur="1" fill="hold">
+                                          <p:stCondLst>
+                                            <p:cond delay="0"/>
+                                          </p:stCondLst>
+                                        </p:cTn>
+                                        <p:tgtEl>
+                                          <p:spTgt spid="10"/>
+                                        </p:tgtEl>
+                                        <p:attrNameLst>
+                                          <p:attrName>style.visibility</p:attrName>
+                                        </p:attrNameLst>
+                                      </p:cBhvr>
+                                      <p:to>
+                                        <p:strVal val="visible"/>
+                                      </p:to>
+                                    </p:set>
+                                    <p:animEffect transition="in" filter="fade">
+                                      <p:cBhvr>
+                                        <p:cTn id="27" dur="500"/>
+                                        <p:tgtEl>
+                                          <p:spTgt spid="10"/>
+                                        </p:tgtEl>
+                                      </p:cBhvr>
+                                    </p:animEffect>
+                                  </p:childTnLst>
+                                </p:cTn>
+                              </p:par>
+                            </p:childTnLst>
+                          </p:cTn>
+                        </p:par>
+                      </p:childTnLst>
+                    </p:cTn>
+                  </p:par>
+                  <p:par>
+                    <p:cTn id="28" fill="hold">
+                      <p:stCondLst>
+                        <p:cond delay="indefinite"/>
+                      </p:stCondLst>
+                      <p:childTnLst>
+                        <p:par>
+                          <p:cTn id="29" fill="hold">
+                            <p:stCondLst>
+                              <p:cond delay="0"/>
+                            </p:stCondLst>
+                            <p:childTnLst>
+                              <p:par>
+                                <p:cTn id="30" presetID="10" presetClass="entr" presetSubtype="0" fill="hold" grpId="0" nodeType="clickEffect">
+                                  <p:stCondLst>
+                                    <p:cond delay="0"/>
+                                  </p:stCondLst>
+                                  <p:childTnLst>
+                                    <p:set>
+                                      <p:cBhvr>
+                                        <p:cTn id="31" dur="1" fill="hold">
+                                          <p:stCondLst>
+                                            <p:cond delay="0"/>
+                                          </p:stCondLst>
+                                        </p:cTn>
+                                        <p:tgtEl>
+                                          <p:spTgt spid="12"/>
+                                        </p:tgtEl>
+                                        <p:attrNameLst>
+                                          <p:attrName>style.visibility</p:attrName>
+                                        </p:attrNameLst>
+                                      </p:cBhvr>
+                                      <p:to>
+                                        <p:strVal val="visible"/>
+                                      </p:to>
+                                    </p:set>
+                                    <p:animEffect transition="in" filter="fade">
+                                      <p:cBhvr>
+                                        <p:cTn id="32" dur="500"/>
+                                        <p:tgtEl>
+                                          <p:spTgt spid="12"/>
+                                        </p:tgtEl>
+                                      </p:cBhvr>
+                                    </p:animEffect>
+                                  </p:childTnLst>
+                                </p:cTn>
+                              </p:par>
+                            </p:childTnLst>
+                          </p:cTn>
+                        </p:par>
+                      </p:childTnLst>
+                    </p:cTn>
+                  </p:par>
                 </p:childTnLst>
               </p:cTn>
               <p:prevCondLst>
@@ -6871,6 +7217,8 @@
       <p:bldP spid="8" grpId="0"/>
       <p:bldP spid="9" grpId="0"/>
       <p:bldP spid="11" grpId="0"/>
+      <p:bldP spid="10" grpId="0"/>
+      <p:bldP spid="12" grpId="0"/>
     </p:bldLst>
   </p:timing>
 </p:sld>
@@ -7382,8 +7730,8 @@
         </p:nvSpPr>
         <p:spPr>
           <a:xfrm flipH="1">
-            <a:off x="1182006" y="5767321"/>
-            <a:ext cx="4285113" cy="1077218"/>
+            <a:off x="1182006" y="5899073"/>
+            <a:ext cx="4285113" cy="830997"/>
           </a:xfrm>
           <a:prstGeom prst="rect">
             <a:avLst/>
@@ -7430,15 +7778,6 @@
               </a:rPr>
               <a:t>No code visible</a:t>
             </a:r>
-          </a:p>
-          <a:p>
-            <a:pPr algn="ctr"/>
-            <a:endParaRPr lang="en-GB" sz="1600" dirty="0">
-              <a:solidFill>
-                <a:schemeClr val="tx2"/>
-              </a:solidFill>
-              <a:latin typeface="+mj-lt"/>
-            </a:endParaRPr>
           </a:p>
         </p:txBody>
       </p:sp>
@@ -7530,8 +7869,8 @@
         </p:blipFill>
         <p:spPr>
           <a:xfrm>
-            <a:off x="1260386" y="1341611"/>
-            <a:ext cx="4206734" cy="4223166"/>
+            <a:off x="936829" y="1261145"/>
+            <a:ext cx="4530290" cy="4547986"/>
           </a:xfrm>
           <a:prstGeom prst="rect">
             <a:avLst/>
@@ -7561,8 +7900,8 @@
         </p:blipFill>
         <p:spPr>
           <a:xfrm>
-            <a:off x="6559253" y="1413611"/>
-            <a:ext cx="4839375" cy="3867690"/>
+            <a:off x="6157561" y="1317417"/>
+            <a:ext cx="5679905" cy="4539452"/>
           </a:xfrm>
           <a:prstGeom prst="rect">
             <a:avLst/>
@@ -13956,21 +14295,6 @@
 </file>
 
 <file path=customXml/item1.xml><?xml version="1.0" encoding="utf-8"?>
-<p:properties xmlns:p="http://schemas.microsoft.com/office/2006/metadata/properties" xmlns:xsi="http://www.w3.org/2001/XMLSchema-instance" xmlns:pc="http://schemas.microsoft.com/office/infopath/2007/PartnerControls">
-  <documentManagement/>
-</p:properties>
-</file>
-
-<file path=customXml/item2.xml><?xml version="1.0" encoding="utf-8"?>
-<?mso-contentType ?>
-<FormTemplates xmlns="http://schemas.microsoft.com/sharepoint/v3/contenttype/forms">
-  <Display>DocumentLibraryForm</Display>
-  <Edit>DocumentLibraryForm</Edit>
-  <New>DocumentLibraryForm</New>
-</FormTemplates>
-</file>
-
-<file path=customXml/item3.xml><?xml version="1.0" encoding="utf-8"?>
 <ct:contentTypeSchema xmlns:ct="http://schemas.microsoft.com/office/2006/metadata/contentType" xmlns:ma="http://schemas.microsoft.com/office/2006/metadata/properties/metaAttributes" ct:_="" ma:_="" ma:contentTypeName="Document" ma:contentTypeID="0x01010039C78F475D24344A969CCF416FCD45BB" ma:contentTypeVersion="13" ma:contentTypeDescription="Create a new document." ma:contentTypeScope="" ma:versionID="a0c5b494e4ac53bd353fcdbd7799a3f3">
   <xsd:schema xmlns:xsd="http://www.w3.org/2001/XMLSchema" xmlns:xs="http://www.w3.org/2001/XMLSchema" xmlns:p="http://schemas.microsoft.com/office/2006/metadata/properties" xmlns:ns3="1114de93-f3f1-4006-86a7-5ccf45982f95" xmlns:ns4="73a95059-53ff-4649-9213-6c5f0c8cde5d" targetNamespace="http://schemas.microsoft.com/office/2006/metadata/properties" ma:root="true" ma:fieldsID="ec7692872867c9011b958cb5bd08a7df" ns3:_="" ns4:_="">
     <xsd:import namespace="1114de93-f3f1-4006-86a7-5ccf45982f95"/>
@@ -14193,32 +14517,22 @@
 </ct:contentTypeSchema>
 </file>
 
-<file path=customXml/itemProps1.xml><?xml version="1.0" encoding="utf-8"?>
-<ds:datastoreItem xmlns:ds="http://schemas.openxmlformats.org/officeDocument/2006/customXml" ds:itemID="{61E7B50A-EF57-437B-A02E-6D74C3625B9A}">
-  <ds:schemaRefs>
-    <ds:schemaRef ds:uri="http://purl.org/dc/elements/1.1/"/>
-    <ds:schemaRef ds:uri="http://schemas.microsoft.com/office/2006/metadata/properties"/>
-    <ds:schemaRef ds:uri="http://schemas.microsoft.com/office/2006/documentManagement/types"/>
-    <ds:schemaRef ds:uri="73a95059-53ff-4649-9213-6c5f0c8cde5d"/>
-    <ds:schemaRef ds:uri="1114de93-f3f1-4006-86a7-5ccf45982f95"/>
-    <ds:schemaRef ds:uri="http://purl.org/dc/dcmitype/"/>
-    <ds:schemaRef ds:uri="http://schemas.microsoft.com/office/infopath/2007/PartnerControls"/>
-    <ds:schemaRef ds:uri="http://schemas.openxmlformats.org/package/2006/metadata/core-properties"/>
-    <ds:schemaRef ds:uri="http://www.w3.org/XML/1998/namespace"/>
-    <ds:schemaRef ds:uri="http://purl.org/dc/terms/"/>
-  </ds:schemaRefs>
-</ds:datastoreItem>
+<file path=customXml/item2.xml><?xml version="1.0" encoding="utf-8"?>
+<?mso-contentType ?>
+<FormTemplates xmlns="http://schemas.microsoft.com/sharepoint/v3/contenttype/forms">
+  <Display>DocumentLibraryForm</Display>
+  <Edit>DocumentLibraryForm</Edit>
+  <New>DocumentLibraryForm</New>
+</FormTemplates>
 </file>
 
-<file path=customXml/itemProps2.xml><?xml version="1.0" encoding="utf-8"?>
-<ds:datastoreItem xmlns:ds="http://schemas.openxmlformats.org/officeDocument/2006/customXml" ds:itemID="{B3072510-4ABE-43B1-80AA-AB159106D349}">
-  <ds:schemaRefs>
-    <ds:schemaRef ds:uri="http://schemas.microsoft.com/sharepoint/v3/contenttype/forms"/>
-  </ds:schemaRefs>
-</ds:datastoreItem>
+<file path=customXml/item3.xml><?xml version="1.0" encoding="utf-8"?>
+<p:properties xmlns:p="http://schemas.microsoft.com/office/2006/metadata/properties" xmlns:xsi="http://www.w3.org/2001/XMLSchema-instance" xmlns:pc="http://schemas.microsoft.com/office/infopath/2007/PartnerControls">
+  <documentManagement/>
+</p:properties>
 </file>
 
-<file path=customXml/itemProps3.xml><?xml version="1.0" encoding="utf-8"?>
+<file path=customXml/itemProps1.xml><?xml version="1.0" encoding="utf-8"?>
 <ds:datastoreItem xmlns:ds="http://schemas.openxmlformats.org/officeDocument/2006/customXml" ds:itemID="{4B0B3847-485F-4BD3-9F8B-04F7B47AEAD9}">
   <ds:schemaRefs>
     <ds:schemaRef ds:uri="http://schemas.microsoft.com/office/2006/metadata/contentType"/>
@@ -14235,4 +14549,29 @@
     <ds:schemaRef ds:uri="http://schemas.microsoft.com/internal/obd"/>
   </ds:schemaRefs>
 </ds:datastoreItem>
+</file>
+
+<file path=customXml/itemProps2.xml><?xml version="1.0" encoding="utf-8"?>
+<ds:datastoreItem xmlns:ds="http://schemas.openxmlformats.org/officeDocument/2006/customXml" ds:itemID="{B3072510-4ABE-43B1-80AA-AB159106D349}">
+  <ds:schemaRefs>
+    <ds:schemaRef ds:uri="http://schemas.microsoft.com/sharepoint/v3/contenttype/forms"/>
+  </ds:schemaRefs>
+</ds:datastoreItem>
+</file>
+
+<file path=customXml/itemProps3.xml><?xml version="1.0" encoding="utf-8"?>
+<ds:datastoreItem xmlns:ds="http://schemas.openxmlformats.org/officeDocument/2006/customXml" ds:itemID="{61E7B50A-EF57-437B-A02E-6D74C3625B9A}">
+  <ds:schemaRefs>
+    <ds:schemaRef ds:uri="http://purl.org/dc/terms/"/>
+    <ds:schemaRef ds:uri="http://purl.org/dc/dcmitype/"/>
+    <ds:schemaRef ds:uri="1114de93-f3f1-4006-86a7-5ccf45982f95"/>
+    <ds:schemaRef ds:uri="http://purl.org/dc/elements/1.1/"/>
+    <ds:schemaRef ds:uri="http://schemas.openxmlformats.org/package/2006/metadata/core-properties"/>
+    <ds:schemaRef ds:uri="http://schemas.microsoft.com/office/2006/documentManagement/types"/>
+    <ds:schemaRef ds:uri="http://schemas.microsoft.com/office/infopath/2007/PartnerControls"/>
+    <ds:schemaRef ds:uri="73a95059-53ff-4649-9213-6c5f0c8cde5d"/>
+    <ds:schemaRef ds:uri="http://schemas.microsoft.com/office/2006/metadata/properties"/>
+    <ds:schemaRef ds:uri="http://www.w3.org/XML/1998/namespace"/>
+  </ds:schemaRefs>
+</ds:datastoreItem>
 </file>